--- a/022_91893+_+91897+Documentation.pptx
+++ b/022_91893+_+91897+Documentation.pptx
@@ -5,7 +5,7 @@
     <p:sldMasterId id="2147483659" r:id="rId1"/>
   </p:sldMasterIdLst>
   <p:notesMasterIdLst>
-    <p:notesMasterId r:id="rId9"/>
+    <p:notesMasterId r:id="rId16"/>
   </p:notesMasterIdLst>
   <p:sldIdLst>
     <p:sldId id="256" r:id="rId2"/>
@@ -13,8 +13,15 @@
     <p:sldId id="258" r:id="rId4"/>
     <p:sldId id="259" r:id="rId5"/>
     <p:sldId id="260" r:id="rId6"/>
-    <p:sldId id="261" r:id="rId7"/>
-    <p:sldId id="262" r:id="rId8"/>
+    <p:sldId id="263" r:id="rId7"/>
+    <p:sldId id="264" r:id="rId8"/>
+    <p:sldId id="265" r:id="rId9"/>
+    <p:sldId id="266" r:id="rId10"/>
+    <p:sldId id="267" r:id="rId11"/>
+    <p:sldId id="268" r:id="rId12"/>
+    <p:sldId id="269" r:id="rId13"/>
+    <p:sldId id="261" r:id="rId14"/>
+    <p:sldId id="262" r:id="rId15"/>
   </p:sldIdLst>
   <p:sldSz cx="9144000" cy="5143500" type="screen16x9"/>
   <p:notesSz cx="6858000" cy="9144000"/>
@@ -863,6 +870,457 @@
 </p:notes>
 </file>
 
+<file path=ppt/notesSlides/notesSlide10.xml><?xml version="1.0" encoding="utf-8"?>
+<p:notes xmlns:a="http://schemas.openxmlformats.org/drawingml/2006/main" xmlns:r="http://schemas.openxmlformats.org/officeDocument/2006/relationships" xmlns:p="http://schemas.openxmlformats.org/presentationml/2006/main" showMasterSp="0" showMasterPhAnim="0">
+  <p:cSld>
+    <p:spTree>
+      <p:nvGrpSpPr>
+        <p:cNvPr id="1" name="Shape 74"/>
+        <p:cNvGrpSpPr/>
+        <p:nvPr/>
+      </p:nvGrpSpPr>
+      <p:grpSpPr>
+        <a:xfrm>
+          <a:off x="0" y="0"/>
+          <a:ext cx="0" cy="0"/>
+          <a:chOff x="0" y="0"/>
+          <a:chExt cx="0" cy="0"/>
+        </a:xfrm>
+      </p:grpSpPr>
+      <p:sp>
+        <p:nvSpPr>
+          <p:cNvPr id="75" name="Google Shape;75;gac10fef634_0_20:notes"/>
+          <p:cNvSpPr>
+            <a:spLocks noGrp="1" noRot="1" noChangeAspect="1"/>
+          </p:cNvSpPr>
+          <p:nvPr>
+            <p:ph type="sldImg" idx="2"/>
+          </p:nvPr>
+        </p:nvSpPr>
+        <p:spPr>
+          <a:xfrm>
+            <a:off x="381000" y="685800"/>
+            <a:ext cx="6096000" cy="3429000"/>
+          </a:xfrm>
+          <a:custGeom>
+            <a:avLst/>
+            <a:gdLst/>
+            <a:ahLst/>
+            <a:cxnLst/>
+            <a:rect l="l" t="t" r="r" b="b"/>
+            <a:pathLst>
+              <a:path w="120000" h="120000" extrusionOk="0">
+                <a:moveTo>
+                  <a:pt x="0" y="0"/>
+                </a:moveTo>
+                <a:lnTo>
+                  <a:pt x="120000" y="0"/>
+                </a:lnTo>
+                <a:lnTo>
+                  <a:pt x="120000" y="120000"/>
+                </a:lnTo>
+                <a:lnTo>
+                  <a:pt x="0" y="120000"/>
+                </a:lnTo>
+                <a:close/>
+              </a:path>
+            </a:pathLst>
+          </a:custGeom>
+        </p:spPr>
+      </p:sp>
+      <p:sp>
+        <p:nvSpPr>
+          <p:cNvPr id="76" name="Google Shape;76;gac10fef634_0_20:notes"/>
+          <p:cNvSpPr txBox="1">
+            <a:spLocks noGrp="1"/>
+          </p:cNvSpPr>
+          <p:nvPr>
+            <p:ph type="body" idx="1"/>
+          </p:nvPr>
+        </p:nvSpPr>
+        <p:spPr>
+          <a:xfrm>
+            <a:off x="685800" y="4343400"/>
+            <a:ext cx="5486400" cy="4114800"/>
+          </a:xfrm>
+          <a:prstGeom prst="rect">
+            <a:avLst/>
+          </a:prstGeom>
+        </p:spPr>
+        <p:txBody>
+          <a:bodyPr spcFirstLastPara="1" wrap="square" lIns="91425" tIns="91425" rIns="91425" bIns="91425" anchor="t" anchorCtr="0">
+            <a:noAutofit/>
+          </a:bodyPr>
+          <a:lstStyle/>
+          <a:p>
+            <a:pPr marL="0" lvl="0" indent="0" algn="l" rtl="0">
+              <a:spcBef>
+                <a:spcPts val="0"/>
+              </a:spcBef>
+              <a:spcAft>
+                <a:spcPts val="0"/>
+              </a:spcAft>
+              <a:buNone/>
+            </a:pPr>
+            <a:endParaRPr/>
+          </a:p>
+        </p:txBody>
+      </p:sp>
+    </p:spTree>
+    <p:extLst>
+      <p:ext uri="{BB962C8B-B14F-4D97-AF65-F5344CB8AC3E}">
+        <p14:creationId xmlns:p14="http://schemas.microsoft.com/office/powerpoint/2010/main" val="1731033228"/>
+      </p:ext>
+    </p:extLst>
+  </p:cSld>
+  <p:clrMapOvr>
+    <a:masterClrMapping/>
+  </p:clrMapOvr>
+</p:notes>
+</file>
+
+<file path=ppt/notesSlides/notesSlide11.xml><?xml version="1.0" encoding="utf-8"?>
+<p:notes xmlns:a="http://schemas.openxmlformats.org/drawingml/2006/main" xmlns:r="http://schemas.openxmlformats.org/officeDocument/2006/relationships" xmlns:p="http://schemas.openxmlformats.org/presentationml/2006/main" showMasterSp="0" showMasterPhAnim="0">
+  <p:cSld>
+    <p:spTree>
+      <p:nvGrpSpPr>
+        <p:cNvPr id="1" name="Shape 74"/>
+        <p:cNvGrpSpPr/>
+        <p:nvPr/>
+      </p:nvGrpSpPr>
+      <p:grpSpPr>
+        <a:xfrm>
+          <a:off x="0" y="0"/>
+          <a:ext cx="0" cy="0"/>
+          <a:chOff x="0" y="0"/>
+          <a:chExt cx="0" cy="0"/>
+        </a:xfrm>
+      </p:grpSpPr>
+      <p:sp>
+        <p:nvSpPr>
+          <p:cNvPr id="75" name="Google Shape;75;gac10fef634_0_20:notes"/>
+          <p:cNvSpPr>
+            <a:spLocks noGrp="1" noRot="1" noChangeAspect="1"/>
+          </p:cNvSpPr>
+          <p:nvPr>
+            <p:ph type="sldImg" idx="2"/>
+          </p:nvPr>
+        </p:nvSpPr>
+        <p:spPr>
+          <a:xfrm>
+            <a:off x="381000" y="685800"/>
+            <a:ext cx="6096000" cy="3429000"/>
+          </a:xfrm>
+          <a:custGeom>
+            <a:avLst/>
+            <a:gdLst/>
+            <a:ahLst/>
+            <a:cxnLst/>
+            <a:rect l="l" t="t" r="r" b="b"/>
+            <a:pathLst>
+              <a:path w="120000" h="120000" extrusionOk="0">
+                <a:moveTo>
+                  <a:pt x="0" y="0"/>
+                </a:moveTo>
+                <a:lnTo>
+                  <a:pt x="120000" y="0"/>
+                </a:lnTo>
+                <a:lnTo>
+                  <a:pt x="120000" y="120000"/>
+                </a:lnTo>
+                <a:lnTo>
+                  <a:pt x="0" y="120000"/>
+                </a:lnTo>
+                <a:close/>
+              </a:path>
+            </a:pathLst>
+          </a:custGeom>
+        </p:spPr>
+      </p:sp>
+      <p:sp>
+        <p:nvSpPr>
+          <p:cNvPr id="76" name="Google Shape;76;gac10fef634_0_20:notes"/>
+          <p:cNvSpPr txBox="1">
+            <a:spLocks noGrp="1"/>
+          </p:cNvSpPr>
+          <p:nvPr>
+            <p:ph type="body" idx="1"/>
+          </p:nvPr>
+        </p:nvSpPr>
+        <p:spPr>
+          <a:xfrm>
+            <a:off x="685800" y="4343400"/>
+            <a:ext cx="5486400" cy="4114800"/>
+          </a:xfrm>
+          <a:prstGeom prst="rect">
+            <a:avLst/>
+          </a:prstGeom>
+        </p:spPr>
+        <p:txBody>
+          <a:bodyPr spcFirstLastPara="1" wrap="square" lIns="91425" tIns="91425" rIns="91425" bIns="91425" anchor="t" anchorCtr="0">
+            <a:noAutofit/>
+          </a:bodyPr>
+          <a:lstStyle/>
+          <a:p>
+            <a:pPr marL="0" lvl="0" indent="0" algn="l" rtl="0">
+              <a:spcBef>
+                <a:spcPts val="0"/>
+              </a:spcBef>
+              <a:spcAft>
+                <a:spcPts val="0"/>
+              </a:spcAft>
+              <a:buNone/>
+            </a:pPr>
+            <a:endParaRPr/>
+          </a:p>
+        </p:txBody>
+      </p:sp>
+    </p:spTree>
+    <p:extLst>
+      <p:ext uri="{BB962C8B-B14F-4D97-AF65-F5344CB8AC3E}">
+        <p14:creationId xmlns:p14="http://schemas.microsoft.com/office/powerpoint/2010/main" val="274590433"/>
+      </p:ext>
+    </p:extLst>
+  </p:cSld>
+  <p:clrMapOvr>
+    <a:masterClrMapping/>
+  </p:clrMapOvr>
+</p:notes>
+</file>
+
+<file path=ppt/notesSlides/notesSlide12.xml><?xml version="1.0" encoding="utf-8"?>
+<p:notes xmlns:a="http://schemas.openxmlformats.org/drawingml/2006/main" xmlns:r="http://schemas.openxmlformats.org/officeDocument/2006/relationships" xmlns:p="http://schemas.openxmlformats.org/presentationml/2006/main" showMasterSp="0" showMasterPhAnim="0">
+  <p:cSld>
+    <p:spTree>
+      <p:nvGrpSpPr>
+        <p:cNvPr id="1" name="Shape 80"/>
+        <p:cNvGrpSpPr/>
+        <p:nvPr/>
+      </p:nvGrpSpPr>
+      <p:grpSpPr>
+        <a:xfrm>
+          <a:off x="0" y="0"/>
+          <a:ext cx="0" cy="0"/>
+          <a:chOff x="0" y="0"/>
+          <a:chExt cx="0" cy="0"/>
+        </a:xfrm>
+      </p:grpSpPr>
+      <p:sp>
+        <p:nvSpPr>
+          <p:cNvPr id="81" name="Google Shape;81;gac10fef634_0_25:notes"/>
+          <p:cNvSpPr>
+            <a:spLocks noGrp="1" noRot="1" noChangeAspect="1"/>
+          </p:cNvSpPr>
+          <p:nvPr>
+            <p:ph type="sldImg" idx="2"/>
+          </p:nvPr>
+        </p:nvSpPr>
+        <p:spPr>
+          <a:xfrm>
+            <a:off x="381000" y="685800"/>
+            <a:ext cx="6096000" cy="3429000"/>
+          </a:xfrm>
+          <a:custGeom>
+            <a:avLst/>
+            <a:gdLst/>
+            <a:ahLst/>
+            <a:cxnLst/>
+            <a:rect l="l" t="t" r="r" b="b"/>
+            <a:pathLst>
+              <a:path w="120000" h="120000" extrusionOk="0">
+                <a:moveTo>
+                  <a:pt x="0" y="0"/>
+                </a:moveTo>
+                <a:lnTo>
+                  <a:pt x="120000" y="0"/>
+                </a:lnTo>
+                <a:lnTo>
+                  <a:pt x="120000" y="120000"/>
+                </a:lnTo>
+                <a:lnTo>
+                  <a:pt x="0" y="120000"/>
+                </a:lnTo>
+                <a:close/>
+              </a:path>
+            </a:pathLst>
+          </a:custGeom>
+        </p:spPr>
+      </p:sp>
+      <p:sp>
+        <p:nvSpPr>
+          <p:cNvPr id="82" name="Google Shape;82;gac10fef634_0_25:notes"/>
+          <p:cNvSpPr txBox="1">
+            <a:spLocks noGrp="1"/>
+          </p:cNvSpPr>
+          <p:nvPr>
+            <p:ph type="body" idx="1"/>
+          </p:nvPr>
+        </p:nvSpPr>
+        <p:spPr>
+          <a:xfrm>
+            <a:off x="685800" y="4343400"/>
+            <a:ext cx="5486400" cy="4114800"/>
+          </a:xfrm>
+          <a:prstGeom prst="rect">
+            <a:avLst/>
+          </a:prstGeom>
+        </p:spPr>
+        <p:txBody>
+          <a:bodyPr spcFirstLastPara="1" wrap="square" lIns="91425" tIns="91425" rIns="91425" bIns="91425" anchor="t" anchorCtr="0">
+            <a:noAutofit/>
+          </a:bodyPr>
+          <a:lstStyle/>
+          <a:p>
+            <a:pPr marL="0" lvl="0" indent="0" algn="l" rtl="0">
+              <a:spcBef>
+                <a:spcPts val="0"/>
+              </a:spcBef>
+              <a:spcAft>
+                <a:spcPts val="0"/>
+              </a:spcAft>
+              <a:buClr>
+                <a:schemeClr val="dk1"/>
+              </a:buClr>
+              <a:buSzPts val="1100"/>
+              <a:buFont typeface="Arial"/>
+              <a:buNone/>
+            </a:pPr>
+            <a:r>
+              <a:rPr lang="en"/>
+              <a:t>Your version control evidence should go here.  This could be in the form of annotated screenshots which show you you managed this process or you could make a brief screencast explaining how you implemented version control.</a:t>
+            </a:r>
+            <a:endParaRPr/>
+          </a:p>
+          <a:p>
+            <a:pPr marL="0" lvl="0" indent="0" algn="l" rtl="0">
+              <a:spcBef>
+                <a:spcPts val="0"/>
+              </a:spcBef>
+              <a:spcAft>
+                <a:spcPts val="0"/>
+              </a:spcAft>
+              <a:buNone/>
+            </a:pPr>
+            <a:endParaRPr/>
+          </a:p>
+        </p:txBody>
+      </p:sp>
+    </p:spTree>
+  </p:cSld>
+  <p:clrMapOvr>
+    <a:masterClrMapping/>
+  </p:clrMapOvr>
+</p:notes>
+</file>
+
+<file path=ppt/notesSlides/notesSlide13.xml><?xml version="1.0" encoding="utf-8"?>
+<p:notes xmlns:a="http://schemas.openxmlformats.org/drawingml/2006/main" xmlns:r="http://schemas.openxmlformats.org/officeDocument/2006/relationships" xmlns:p="http://schemas.openxmlformats.org/presentationml/2006/main" showMasterSp="0" showMasterPhAnim="0">
+  <p:cSld>
+    <p:spTree>
+      <p:nvGrpSpPr>
+        <p:cNvPr id="1" name="Shape 86"/>
+        <p:cNvGrpSpPr/>
+        <p:nvPr/>
+      </p:nvGrpSpPr>
+      <p:grpSpPr>
+        <a:xfrm>
+          <a:off x="0" y="0"/>
+          <a:ext cx="0" cy="0"/>
+          <a:chOff x="0" y="0"/>
+          <a:chExt cx="0" cy="0"/>
+        </a:xfrm>
+      </p:grpSpPr>
+      <p:sp>
+        <p:nvSpPr>
+          <p:cNvPr id="87" name="Google Shape;87;gac10fef634_0_30:notes"/>
+          <p:cNvSpPr>
+            <a:spLocks noGrp="1" noRot="1" noChangeAspect="1"/>
+          </p:cNvSpPr>
+          <p:nvPr>
+            <p:ph type="sldImg" idx="2"/>
+          </p:nvPr>
+        </p:nvSpPr>
+        <p:spPr>
+          <a:xfrm>
+            <a:off x="381000" y="685800"/>
+            <a:ext cx="6096000" cy="3429000"/>
+          </a:xfrm>
+          <a:custGeom>
+            <a:avLst/>
+            <a:gdLst/>
+            <a:ahLst/>
+            <a:cxnLst/>
+            <a:rect l="l" t="t" r="r" b="b"/>
+            <a:pathLst>
+              <a:path w="120000" h="120000" extrusionOk="0">
+                <a:moveTo>
+                  <a:pt x="0" y="0"/>
+                </a:moveTo>
+                <a:lnTo>
+                  <a:pt x="120000" y="0"/>
+                </a:lnTo>
+                <a:lnTo>
+                  <a:pt x="120000" y="120000"/>
+                </a:lnTo>
+                <a:lnTo>
+                  <a:pt x="0" y="120000"/>
+                </a:lnTo>
+                <a:close/>
+              </a:path>
+            </a:pathLst>
+          </a:custGeom>
+        </p:spPr>
+      </p:sp>
+      <p:sp>
+        <p:nvSpPr>
+          <p:cNvPr id="88" name="Google Shape;88;gac10fef634_0_30:notes"/>
+          <p:cNvSpPr txBox="1">
+            <a:spLocks noGrp="1"/>
+          </p:cNvSpPr>
+          <p:nvPr>
+            <p:ph type="body" idx="1"/>
+          </p:nvPr>
+        </p:nvSpPr>
+        <p:spPr>
+          <a:xfrm>
+            <a:off x="685800" y="4343400"/>
+            <a:ext cx="5486400" cy="4114800"/>
+          </a:xfrm>
+          <a:prstGeom prst="rect">
+            <a:avLst/>
+          </a:prstGeom>
+        </p:spPr>
+        <p:txBody>
+          <a:bodyPr spcFirstLastPara="1" wrap="square" lIns="91425" tIns="91425" rIns="91425" bIns="91425" anchor="t" anchorCtr="0">
+            <a:noAutofit/>
+          </a:bodyPr>
+          <a:lstStyle/>
+          <a:p>
+            <a:pPr marL="0" lvl="0" indent="0" algn="l" rtl="0">
+              <a:spcBef>
+                <a:spcPts val="0"/>
+              </a:spcBef>
+              <a:spcAft>
+                <a:spcPts val="0"/>
+              </a:spcAft>
+              <a:buNone/>
+            </a:pPr>
+            <a:r>
+              <a:rPr lang="en"/>
+              <a:t>Discusses how the information from planning, testing and trialling of components assisted in the development of a high-quality outcome</a:t>
+            </a:r>
+            <a:endParaRPr/>
+          </a:p>
+        </p:txBody>
+      </p:sp>
+    </p:spTree>
+  </p:cSld>
+  <p:clrMapOvr>
+    <a:masterClrMapping/>
+  </p:clrMapOvr>
+</p:notes>
+</file>
+
 <file path=ppt/notesSlides/notesSlide2.xml><?xml version="1.0" encoding="utf-8"?>
 <p:notes xmlns:a="http://schemas.openxmlformats.org/drawingml/2006/main" xmlns:r="http://schemas.openxmlformats.org/officeDocument/2006/relationships" xmlns:p="http://schemas.openxmlformats.org/presentationml/2006/main" showMasterSp="0" showMasterPhAnim="0">
   <p:cSld>
@@ -1309,7 +1767,7 @@
   <p:cSld>
     <p:spTree>
       <p:nvGrpSpPr>
-        <p:cNvPr id="1" name="Shape 80"/>
+        <p:cNvPr id="1" name="Shape 74"/>
         <p:cNvGrpSpPr/>
         <p:nvPr/>
       </p:nvGrpSpPr>
@@ -1323,7 +1781,7 @@
       </p:grpSpPr>
       <p:sp>
         <p:nvSpPr>
-          <p:cNvPr id="81" name="Google Shape;81;gac10fef634_0_25:notes"/>
+          <p:cNvPr id="75" name="Google Shape;75;gac10fef634_0_20:notes"/>
           <p:cNvSpPr>
             <a:spLocks noGrp="1" noRot="1" noChangeAspect="1"/>
           </p:cNvSpPr>
@@ -1364,7 +1822,7 @@
       </p:sp>
       <p:sp>
         <p:nvSpPr>
-          <p:cNvPr id="82" name="Google Shape;82;gac10fef634_0_25:notes"/>
+          <p:cNvPr id="76" name="Google Shape;76;gac10fef634_0_20:notes"/>
           <p:cNvSpPr txBox="1">
             <a:spLocks noGrp="1"/>
           </p:cNvSpPr>
@@ -1394,27 +1852,6 @@
               <a:spcAft>
                 <a:spcPts val="0"/>
               </a:spcAft>
-              <a:buClr>
-                <a:schemeClr val="dk1"/>
-              </a:buClr>
-              <a:buSzPts val="1100"/>
-              <a:buFont typeface="Arial"/>
-              <a:buNone/>
-            </a:pPr>
-            <a:r>
-              <a:rPr lang="en"/>
-              <a:t>Your version control evidence should go here.  This could be in the form of annotated screenshots which show you you managed this process or you could make a brief screencast explaining how you implemented version control.</a:t>
-            </a:r>
-            <a:endParaRPr/>
-          </a:p>
-          <a:p>
-            <a:pPr marL="0" lvl="0" indent="0" algn="l" rtl="0">
-              <a:spcBef>
-                <a:spcPts val="0"/>
-              </a:spcBef>
-              <a:spcAft>
-                <a:spcPts val="0"/>
-              </a:spcAft>
               <a:buNone/>
             </a:pPr>
             <a:endParaRPr/>
@@ -1422,6 +1859,11 @@
         </p:txBody>
       </p:sp>
     </p:spTree>
+    <p:extLst>
+      <p:ext uri="{BB962C8B-B14F-4D97-AF65-F5344CB8AC3E}">
+        <p14:creationId xmlns:p14="http://schemas.microsoft.com/office/powerpoint/2010/main" val="3223214231"/>
+      </p:ext>
+    </p:extLst>
   </p:cSld>
   <p:clrMapOvr>
     <a:masterClrMapping/>
@@ -1434,7 +1876,7 @@
   <p:cSld>
     <p:spTree>
       <p:nvGrpSpPr>
-        <p:cNvPr id="1" name="Shape 86"/>
+        <p:cNvPr id="1" name="Shape 74"/>
         <p:cNvGrpSpPr/>
         <p:nvPr/>
       </p:nvGrpSpPr>
@@ -1448,7 +1890,7 @@
       </p:grpSpPr>
       <p:sp>
         <p:nvSpPr>
-          <p:cNvPr id="87" name="Google Shape;87;gac10fef634_0_30:notes"/>
+          <p:cNvPr id="75" name="Google Shape;75;gac10fef634_0_20:notes"/>
           <p:cNvSpPr>
             <a:spLocks noGrp="1" noRot="1" noChangeAspect="1"/>
           </p:cNvSpPr>
@@ -1489,7 +1931,7 @@
       </p:sp>
       <p:sp>
         <p:nvSpPr>
-          <p:cNvPr id="88" name="Google Shape;88;gac10fef634_0_30:notes"/>
+          <p:cNvPr id="76" name="Google Shape;76;gac10fef634_0_20:notes"/>
           <p:cNvSpPr txBox="1">
             <a:spLocks noGrp="1"/>
           </p:cNvSpPr>
@@ -1521,15 +1963,234 @@
               </a:spcAft>
               <a:buNone/>
             </a:pPr>
-            <a:r>
-              <a:rPr lang="en"/>
-              <a:t>Discusses how the information from planning, testing and trialling of components assisted in the development of a high-quality outcome</a:t>
-            </a:r>
             <a:endParaRPr/>
           </a:p>
         </p:txBody>
       </p:sp>
     </p:spTree>
+    <p:extLst>
+      <p:ext uri="{BB962C8B-B14F-4D97-AF65-F5344CB8AC3E}">
+        <p14:creationId xmlns:p14="http://schemas.microsoft.com/office/powerpoint/2010/main" val="452174400"/>
+      </p:ext>
+    </p:extLst>
+  </p:cSld>
+  <p:clrMapOvr>
+    <a:masterClrMapping/>
+  </p:clrMapOvr>
+</p:notes>
+</file>
+
+<file path=ppt/notesSlides/notesSlide8.xml><?xml version="1.0" encoding="utf-8"?>
+<p:notes xmlns:a="http://schemas.openxmlformats.org/drawingml/2006/main" xmlns:r="http://schemas.openxmlformats.org/officeDocument/2006/relationships" xmlns:p="http://schemas.openxmlformats.org/presentationml/2006/main" showMasterSp="0" showMasterPhAnim="0">
+  <p:cSld>
+    <p:spTree>
+      <p:nvGrpSpPr>
+        <p:cNvPr id="1" name="Shape 74"/>
+        <p:cNvGrpSpPr/>
+        <p:nvPr/>
+      </p:nvGrpSpPr>
+      <p:grpSpPr>
+        <a:xfrm>
+          <a:off x="0" y="0"/>
+          <a:ext cx="0" cy="0"/>
+          <a:chOff x="0" y="0"/>
+          <a:chExt cx="0" cy="0"/>
+        </a:xfrm>
+      </p:grpSpPr>
+      <p:sp>
+        <p:nvSpPr>
+          <p:cNvPr id="75" name="Google Shape;75;gac10fef634_0_20:notes"/>
+          <p:cNvSpPr>
+            <a:spLocks noGrp="1" noRot="1" noChangeAspect="1"/>
+          </p:cNvSpPr>
+          <p:nvPr>
+            <p:ph type="sldImg" idx="2"/>
+          </p:nvPr>
+        </p:nvSpPr>
+        <p:spPr>
+          <a:xfrm>
+            <a:off x="381000" y="685800"/>
+            <a:ext cx="6096000" cy="3429000"/>
+          </a:xfrm>
+          <a:custGeom>
+            <a:avLst/>
+            <a:gdLst/>
+            <a:ahLst/>
+            <a:cxnLst/>
+            <a:rect l="l" t="t" r="r" b="b"/>
+            <a:pathLst>
+              <a:path w="120000" h="120000" extrusionOk="0">
+                <a:moveTo>
+                  <a:pt x="0" y="0"/>
+                </a:moveTo>
+                <a:lnTo>
+                  <a:pt x="120000" y="0"/>
+                </a:lnTo>
+                <a:lnTo>
+                  <a:pt x="120000" y="120000"/>
+                </a:lnTo>
+                <a:lnTo>
+                  <a:pt x="0" y="120000"/>
+                </a:lnTo>
+                <a:close/>
+              </a:path>
+            </a:pathLst>
+          </a:custGeom>
+        </p:spPr>
+      </p:sp>
+      <p:sp>
+        <p:nvSpPr>
+          <p:cNvPr id="76" name="Google Shape;76;gac10fef634_0_20:notes"/>
+          <p:cNvSpPr txBox="1">
+            <a:spLocks noGrp="1"/>
+          </p:cNvSpPr>
+          <p:nvPr>
+            <p:ph type="body" idx="1"/>
+          </p:nvPr>
+        </p:nvSpPr>
+        <p:spPr>
+          <a:xfrm>
+            <a:off x="685800" y="4343400"/>
+            <a:ext cx="5486400" cy="4114800"/>
+          </a:xfrm>
+          <a:prstGeom prst="rect">
+            <a:avLst/>
+          </a:prstGeom>
+        </p:spPr>
+        <p:txBody>
+          <a:bodyPr spcFirstLastPara="1" wrap="square" lIns="91425" tIns="91425" rIns="91425" bIns="91425" anchor="t" anchorCtr="0">
+            <a:noAutofit/>
+          </a:bodyPr>
+          <a:lstStyle/>
+          <a:p>
+            <a:pPr marL="0" lvl="0" indent="0" algn="l" rtl="0">
+              <a:spcBef>
+                <a:spcPts val="0"/>
+              </a:spcBef>
+              <a:spcAft>
+                <a:spcPts val="0"/>
+              </a:spcAft>
+              <a:buNone/>
+            </a:pPr>
+            <a:endParaRPr/>
+          </a:p>
+        </p:txBody>
+      </p:sp>
+    </p:spTree>
+    <p:extLst>
+      <p:ext uri="{BB962C8B-B14F-4D97-AF65-F5344CB8AC3E}">
+        <p14:creationId xmlns:p14="http://schemas.microsoft.com/office/powerpoint/2010/main" val="225294831"/>
+      </p:ext>
+    </p:extLst>
+  </p:cSld>
+  <p:clrMapOvr>
+    <a:masterClrMapping/>
+  </p:clrMapOvr>
+</p:notes>
+</file>
+
+<file path=ppt/notesSlides/notesSlide9.xml><?xml version="1.0" encoding="utf-8"?>
+<p:notes xmlns:a="http://schemas.openxmlformats.org/drawingml/2006/main" xmlns:r="http://schemas.openxmlformats.org/officeDocument/2006/relationships" xmlns:p="http://schemas.openxmlformats.org/presentationml/2006/main" showMasterSp="0" showMasterPhAnim="0">
+  <p:cSld>
+    <p:spTree>
+      <p:nvGrpSpPr>
+        <p:cNvPr id="1" name="Shape 74"/>
+        <p:cNvGrpSpPr/>
+        <p:nvPr/>
+      </p:nvGrpSpPr>
+      <p:grpSpPr>
+        <a:xfrm>
+          <a:off x="0" y="0"/>
+          <a:ext cx="0" cy="0"/>
+          <a:chOff x="0" y="0"/>
+          <a:chExt cx="0" cy="0"/>
+        </a:xfrm>
+      </p:grpSpPr>
+      <p:sp>
+        <p:nvSpPr>
+          <p:cNvPr id="75" name="Google Shape;75;gac10fef634_0_20:notes"/>
+          <p:cNvSpPr>
+            <a:spLocks noGrp="1" noRot="1" noChangeAspect="1"/>
+          </p:cNvSpPr>
+          <p:nvPr>
+            <p:ph type="sldImg" idx="2"/>
+          </p:nvPr>
+        </p:nvSpPr>
+        <p:spPr>
+          <a:xfrm>
+            <a:off x="381000" y="685800"/>
+            <a:ext cx="6096000" cy="3429000"/>
+          </a:xfrm>
+          <a:custGeom>
+            <a:avLst/>
+            <a:gdLst/>
+            <a:ahLst/>
+            <a:cxnLst/>
+            <a:rect l="l" t="t" r="r" b="b"/>
+            <a:pathLst>
+              <a:path w="120000" h="120000" extrusionOk="0">
+                <a:moveTo>
+                  <a:pt x="0" y="0"/>
+                </a:moveTo>
+                <a:lnTo>
+                  <a:pt x="120000" y="0"/>
+                </a:lnTo>
+                <a:lnTo>
+                  <a:pt x="120000" y="120000"/>
+                </a:lnTo>
+                <a:lnTo>
+                  <a:pt x="0" y="120000"/>
+                </a:lnTo>
+                <a:close/>
+              </a:path>
+            </a:pathLst>
+          </a:custGeom>
+        </p:spPr>
+      </p:sp>
+      <p:sp>
+        <p:nvSpPr>
+          <p:cNvPr id="76" name="Google Shape;76;gac10fef634_0_20:notes"/>
+          <p:cNvSpPr txBox="1">
+            <a:spLocks noGrp="1"/>
+          </p:cNvSpPr>
+          <p:nvPr>
+            <p:ph type="body" idx="1"/>
+          </p:nvPr>
+        </p:nvSpPr>
+        <p:spPr>
+          <a:xfrm>
+            <a:off x="685800" y="4343400"/>
+            <a:ext cx="5486400" cy="4114800"/>
+          </a:xfrm>
+          <a:prstGeom prst="rect">
+            <a:avLst/>
+          </a:prstGeom>
+        </p:spPr>
+        <p:txBody>
+          <a:bodyPr spcFirstLastPara="1" wrap="square" lIns="91425" tIns="91425" rIns="91425" bIns="91425" anchor="t" anchorCtr="0">
+            <a:noAutofit/>
+          </a:bodyPr>
+          <a:lstStyle/>
+          <a:p>
+            <a:pPr marL="0" lvl="0" indent="0" algn="l" rtl="0">
+              <a:spcBef>
+                <a:spcPts val="0"/>
+              </a:spcBef>
+              <a:spcAft>
+                <a:spcPts val="0"/>
+              </a:spcAft>
+              <a:buNone/>
+            </a:pPr>
+            <a:endParaRPr/>
+          </a:p>
+        </p:txBody>
+      </p:sp>
+    </p:spTree>
+    <p:extLst>
+      <p:ext uri="{BB962C8B-B14F-4D97-AF65-F5344CB8AC3E}">
+        <p14:creationId xmlns:p14="http://schemas.microsoft.com/office/powerpoint/2010/main" val="2653094043"/>
+      </p:ext>
+    </p:extLst>
   </p:cSld>
   <p:clrMapOvr>
     <a:masterClrMapping/>
@@ -6405,23 +7066,15 @@
                   <a:srgbClr val="274E13"/>
                 </a:solidFill>
               </a:rPr>
-              <a:t>Link to </a:t>
+              <a:t>Link to github Repository: </a:t>
             </a:r>
             <a:r>
-              <a:rPr lang="en" sz="2000" b="1" dirty="0" err="1">
+              <a:rPr lang="en-NZ" sz="2000" b="1" dirty="0">
                 <a:solidFill>
                   <a:srgbClr val="274E13"/>
                 </a:solidFill>
               </a:rPr>
-              <a:t>github</a:t>
-            </a:r>
-            <a:r>
-              <a:rPr lang="en" sz="2000" b="1" dirty="0">
-                <a:solidFill>
-                  <a:srgbClr val="274E13"/>
-                </a:solidFill>
-              </a:rPr>
-              <a:t> Repository: </a:t>
+              <a:t>https://github.com/boatttt/Pizza_Bot</a:t>
             </a:r>
             <a:endParaRPr sz="2000" b="1" dirty="0">
               <a:solidFill>
@@ -6447,7 +7100,7 @@
               <a:buFont typeface="Arial"/>
               <a:buNone/>
             </a:pPr>
-            <a:endParaRPr sz="2000">
+            <a:endParaRPr sz="2000" dirty="0">
               <a:solidFill>
                 <a:srgbClr val="274E13"/>
               </a:solidFill>
@@ -6477,23 +7130,15 @@
                   <a:srgbClr val="274E13"/>
                 </a:solidFill>
               </a:rPr>
-              <a:t>Links to </a:t>
+              <a:t>Links to trello board / project management tools: </a:t>
             </a:r>
             <a:r>
-              <a:rPr lang="en" sz="2000" b="1" dirty="0" err="1">
+              <a:rPr lang="en-NZ" sz="2000" b="1" dirty="0">
                 <a:solidFill>
                   <a:srgbClr val="274E13"/>
                 </a:solidFill>
               </a:rPr>
-              <a:t>trello</a:t>
-            </a:r>
-            <a:r>
-              <a:rPr lang="en" sz="2000" b="1" dirty="0">
-                <a:solidFill>
-                  <a:srgbClr val="274E13"/>
-                </a:solidFill>
-              </a:rPr>
-              <a:t> board / project management tools:</a:t>
+              <a:t>https://trello.com/b/TK83AiUy/pizza-bot-initial-plan</a:t>
             </a:r>
             <a:endParaRPr sz="2000" dirty="0"/>
           </a:p>
@@ -6574,6 +7219,1191 @@
           </a:graphicData>
         </a:graphic>
       </p:graphicFrame>
+    </p:spTree>
+  </p:cSld>
+  <p:clrMapOvr>
+    <a:masterClrMapping/>
+  </p:clrMapOvr>
+</p:sld>
+</file>
+
+<file path=ppt/slides/slide10.xml><?xml version="1.0" encoding="utf-8"?>
+<p:sld xmlns:a="http://schemas.openxmlformats.org/drawingml/2006/main" xmlns:r="http://schemas.openxmlformats.org/officeDocument/2006/relationships" xmlns:p="http://schemas.openxmlformats.org/presentationml/2006/main">
+  <p:cSld>
+    <p:spTree>
+      <p:nvGrpSpPr>
+        <p:cNvPr id="1" name="Shape 77"/>
+        <p:cNvGrpSpPr/>
+        <p:nvPr/>
+      </p:nvGrpSpPr>
+      <p:grpSpPr>
+        <a:xfrm>
+          <a:off x="0" y="0"/>
+          <a:ext cx="0" cy="0"/>
+          <a:chOff x="0" y="0"/>
+          <a:chExt cx="0" cy="0"/>
+        </a:xfrm>
+      </p:grpSpPr>
+      <p:sp>
+        <p:nvSpPr>
+          <p:cNvPr id="78" name="Google Shape;78;p17"/>
+          <p:cNvSpPr txBox="1">
+            <a:spLocks noGrp="1"/>
+          </p:cNvSpPr>
+          <p:nvPr>
+            <p:ph type="title"/>
+          </p:nvPr>
+        </p:nvSpPr>
+        <p:spPr>
+          <a:xfrm>
+            <a:off x="311700" y="445025"/>
+            <a:ext cx="8520600" cy="572700"/>
+          </a:xfrm>
+          <a:prstGeom prst="rect">
+            <a:avLst/>
+          </a:prstGeom>
+        </p:spPr>
+        <p:txBody>
+          <a:bodyPr spcFirstLastPara="1" wrap="square" lIns="91425" tIns="91425" rIns="91425" bIns="91425" anchor="t" anchorCtr="0">
+            <a:noAutofit/>
+          </a:bodyPr>
+          <a:lstStyle/>
+          <a:p>
+            <a:pPr marL="0" lvl="0" indent="0" algn="l" rtl="0">
+              <a:spcBef>
+                <a:spcPts val="0"/>
+              </a:spcBef>
+              <a:spcAft>
+                <a:spcPts val="0"/>
+              </a:spcAft>
+              <a:buNone/>
+            </a:pPr>
+            <a:r>
+              <a:rPr lang="en" dirty="0"/>
+              <a:t>Component 2 Version 3 - Test Plan (and screenshot)</a:t>
+            </a:r>
+            <a:endParaRPr dirty="0"/>
+          </a:p>
+        </p:txBody>
+      </p:sp>
+      <p:graphicFrame>
+        <p:nvGraphicFramePr>
+          <p:cNvPr id="79" name="Google Shape;79;p17"/>
+          <p:cNvGraphicFramePr/>
+          <p:nvPr>
+            <p:extLst>
+              <p:ext uri="{D42A27DB-BD31-4B8C-83A1-F6EECF244321}">
+                <p14:modId xmlns:p14="http://schemas.microsoft.com/office/powerpoint/2010/main" val="1294748081"/>
+              </p:ext>
+            </p:extLst>
+          </p:nvPr>
+        </p:nvGraphicFramePr>
+        <p:xfrm>
+          <a:off x="240925" y="3201456"/>
+          <a:ext cx="8520600" cy="1737300"/>
+        </p:xfrm>
+        <a:graphic>
+          <a:graphicData uri="http://schemas.openxmlformats.org/drawingml/2006/table">
+            <a:tbl>
+              <a:tblPr>
+                <a:noFill/>
+                <a:tableStyleId>{E1099E06-0E6B-448D-9D27-60429F06E6F4}</a:tableStyleId>
+              </a:tblPr>
+              <a:tblGrid>
+                <a:gridCol w="4260300">
+                  <a:extLst>
+                    <a:ext uri="{9D8B030D-6E8A-4147-A177-3AD203B41FA5}">
+                      <a16:colId xmlns:a16="http://schemas.microsoft.com/office/drawing/2014/main" val="20000"/>
+                    </a:ext>
+                  </a:extLst>
+                </a:gridCol>
+                <a:gridCol w="4260300">
+                  <a:extLst>
+                    <a:ext uri="{9D8B030D-6E8A-4147-A177-3AD203B41FA5}">
+                      <a16:colId xmlns:a16="http://schemas.microsoft.com/office/drawing/2014/main" val="20001"/>
+                    </a:ext>
+                  </a:extLst>
+                </a:gridCol>
+              </a:tblGrid>
+              <a:tr h="301964">
+                <a:tc>
+                  <a:txBody>
+                    <a:bodyPr/>
+                    <a:lstStyle/>
+                    <a:p>
+                      <a:pPr marL="0" lvl="0" indent="0" algn="l" rtl="0">
+                        <a:spcBef>
+                          <a:spcPts val="0"/>
+                        </a:spcBef>
+                        <a:spcAft>
+                          <a:spcPts val="0"/>
+                        </a:spcAft>
+                        <a:buNone/>
+                      </a:pPr>
+                      <a:r>
+                        <a:rPr lang="en" sz="1800" b="1" dirty="0"/>
+                        <a:t>Test Case</a:t>
+                      </a:r>
+                      <a:endParaRPr sz="1800" b="1" dirty="0"/>
+                    </a:p>
+                  </a:txBody>
+                  <a:tcPr marL="91425" marR="91425" marT="91425" marB="91425">
+                    <a:solidFill>
+                      <a:srgbClr val="CCCCCC"/>
+                    </a:solidFill>
+                  </a:tcPr>
+                </a:tc>
+                <a:tc>
+                  <a:txBody>
+                    <a:bodyPr/>
+                    <a:lstStyle/>
+                    <a:p>
+                      <a:pPr marL="0" lvl="0" indent="0" algn="l" rtl="0">
+                        <a:spcBef>
+                          <a:spcPts val="0"/>
+                        </a:spcBef>
+                        <a:spcAft>
+                          <a:spcPts val="0"/>
+                        </a:spcAft>
+                        <a:buNone/>
+                      </a:pPr>
+                      <a:r>
+                        <a:rPr lang="en" sz="1800" b="1" dirty="0"/>
+                        <a:t>Expected Values</a:t>
+                      </a:r>
+                      <a:endParaRPr sz="1800" b="1" dirty="0"/>
+                    </a:p>
+                  </a:txBody>
+                  <a:tcPr marL="91425" marR="91425" marT="91425" marB="91425">
+                    <a:solidFill>
+                      <a:srgbClr val="CCCCCC"/>
+                    </a:solidFill>
+                  </a:tcPr>
+                </a:tc>
+                <a:extLst>
+                  <a:ext uri="{0D108BD9-81ED-4DB2-BD59-A6C34878D82A}">
+                    <a16:rowId xmlns:a16="http://schemas.microsoft.com/office/drawing/2014/main" val="10000"/>
+                  </a:ext>
+                </a:extLst>
+              </a:tr>
+              <a:tr h="1270947">
+                <a:tc>
+                  <a:txBody>
+                    <a:bodyPr/>
+                    <a:lstStyle/>
+                    <a:p>
+                      <a:pPr marL="0" lvl="0" indent="0" algn="l" rtl="0">
+                        <a:spcBef>
+                          <a:spcPts val="0"/>
+                        </a:spcBef>
+                        <a:spcAft>
+                          <a:spcPts val="0"/>
+                        </a:spcAft>
+                        <a:buNone/>
+                      </a:pPr>
+                      <a:r>
+                        <a:rPr lang="en-NZ" sz="1800" dirty="0"/>
+                        <a:t>Run Program</a:t>
+                      </a:r>
+                      <a:endParaRPr sz="1800" dirty="0"/>
+                    </a:p>
+                  </a:txBody>
+                  <a:tcPr marL="91425" marR="91425" marT="91425" marB="91425"/>
+                </a:tc>
+                <a:tc>
+                  <a:txBody>
+                    <a:bodyPr/>
+                    <a:lstStyle/>
+                    <a:p>
+                      <a:pPr marL="0" lvl="0" indent="0" algn="l" rtl="0">
+                        <a:spcBef>
+                          <a:spcPts val="0"/>
+                        </a:spcBef>
+                        <a:spcAft>
+                          <a:spcPts val="0"/>
+                        </a:spcAft>
+                        <a:buNone/>
+                      </a:pPr>
+                      <a:r>
+                        <a:rPr lang="en-NZ" sz="1800" dirty="0"/>
+                        <a:t>Enter 1: Program prints pickup</a:t>
+                      </a:r>
+                    </a:p>
+                    <a:p>
+                      <a:pPr marL="0" lvl="0" indent="0" algn="l" rtl="0">
+                        <a:spcBef>
+                          <a:spcPts val="0"/>
+                        </a:spcBef>
+                        <a:spcAft>
+                          <a:spcPts val="0"/>
+                        </a:spcAft>
+                        <a:buNone/>
+                      </a:pPr>
+                      <a:r>
+                        <a:rPr lang="en-NZ" sz="1800" dirty="0"/>
+                        <a:t>Enter 2: Program prints delivery</a:t>
+                      </a:r>
+                    </a:p>
+                    <a:p>
+                      <a:pPr marL="0" lvl="0" indent="0" algn="l" rtl="0">
+                        <a:spcBef>
+                          <a:spcPts val="0"/>
+                        </a:spcBef>
+                        <a:spcAft>
+                          <a:spcPts val="0"/>
+                        </a:spcAft>
+                        <a:buNone/>
+                      </a:pPr>
+                      <a:r>
+                        <a:rPr lang="en-NZ" sz="1800" dirty="0"/>
+                        <a:t>Enter invalid: Program displays value error</a:t>
+                      </a:r>
+                    </a:p>
+                  </a:txBody>
+                  <a:tcPr marL="91425" marR="91425" marT="91425" marB="91425"/>
+                </a:tc>
+                <a:extLst>
+                  <a:ext uri="{0D108BD9-81ED-4DB2-BD59-A6C34878D82A}">
+                    <a16:rowId xmlns:a16="http://schemas.microsoft.com/office/drawing/2014/main" val="10001"/>
+                  </a:ext>
+                </a:extLst>
+              </a:tr>
+            </a:tbl>
+          </a:graphicData>
+        </a:graphic>
+      </p:graphicFrame>
+      <p:pic>
+        <p:nvPicPr>
+          <p:cNvPr id="4" name="Picture 3">
+            <a:extLst>
+              <a:ext uri="{FF2B5EF4-FFF2-40B4-BE49-F238E27FC236}">
+                <a16:creationId xmlns:a16="http://schemas.microsoft.com/office/drawing/2014/main" id="{B97BA692-D03D-47C7-8D5C-5D6865457DE7}"/>
+              </a:ext>
+            </a:extLst>
+          </p:cNvPr>
+          <p:cNvPicPr>
+            <a:picLocks noChangeAspect="1"/>
+          </p:cNvPicPr>
+          <p:nvPr/>
+        </p:nvPicPr>
+        <p:blipFill>
+          <a:blip r:embed="rId3"/>
+          <a:stretch>
+            <a:fillRect/>
+          </a:stretch>
+        </p:blipFill>
+        <p:spPr>
+          <a:xfrm>
+            <a:off x="74951" y="1086787"/>
+            <a:ext cx="5100644" cy="1802004"/>
+          </a:xfrm>
+          <a:prstGeom prst="rect">
+            <a:avLst/>
+          </a:prstGeom>
+        </p:spPr>
+      </p:pic>
+      <p:pic>
+        <p:nvPicPr>
+          <p:cNvPr id="7" name="Picture 6">
+            <a:extLst>
+              <a:ext uri="{FF2B5EF4-FFF2-40B4-BE49-F238E27FC236}">
+                <a16:creationId xmlns:a16="http://schemas.microsoft.com/office/drawing/2014/main" id="{BE7BBF4B-66BE-4E3A-AD37-7BEA340595BD}"/>
+              </a:ext>
+            </a:extLst>
+          </p:cNvPr>
+          <p:cNvPicPr>
+            <a:picLocks noChangeAspect="1"/>
+          </p:cNvPicPr>
+          <p:nvPr/>
+        </p:nvPicPr>
+        <p:blipFill>
+          <a:blip r:embed="rId4"/>
+          <a:stretch>
+            <a:fillRect/>
+          </a:stretch>
+        </p:blipFill>
+        <p:spPr>
+          <a:xfrm>
+            <a:off x="4943435" y="958061"/>
+            <a:ext cx="3687862" cy="2059455"/>
+          </a:xfrm>
+          <a:prstGeom prst="rect">
+            <a:avLst/>
+          </a:prstGeom>
+        </p:spPr>
+      </p:pic>
+    </p:spTree>
+    <p:extLst>
+      <p:ext uri="{BB962C8B-B14F-4D97-AF65-F5344CB8AC3E}">
+        <p14:creationId xmlns:p14="http://schemas.microsoft.com/office/powerpoint/2010/main" val="2661108675"/>
+      </p:ext>
+    </p:extLst>
+  </p:cSld>
+  <p:clrMapOvr>
+    <a:masterClrMapping/>
+  </p:clrMapOvr>
+</p:sld>
+</file>
+
+<file path=ppt/slides/slide11.xml><?xml version="1.0" encoding="utf-8"?>
+<p:sld xmlns:a="http://schemas.openxmlformats.org/drawingml/2006/main" xmlns:r="http://schemas.openxmlformats.org/officeDocument/2006/relationships" xmlns:p="http://schemas.openxmlformats.org/presentationml/2006/main">
+  <p:cSld>
+    <p:spTree>
+      <p:nvGrpSpPr>
+        <p:cNvPr id="1" name="Shape 77"/>
+        <p:cNvGrpSpPr/>
+        <p:nvPr/>
+      </p:nvGrpSpPr>
+      <p:grpSpPr>
+        <a:xfrm>
+          <a:off x="0" y="0"/>
+          <a:ext cx="0" cy="0"/>
+          <a:chOff x="0" y="0"/>
+          <a:chExt cx="0" cy="0"/>
+        </a:xfrm>
+      </p:grpSpPr>
+      <p:sp>
+        <p:nvSpPr>
+          <p:cNvPr id="78" name="Google Shape;78;p17"/>
+          <p:cNvSpPr txBox="1">
+            <a:spLocks noGrp="1"/>
+          </p:cNvSpPr>
+          <p:nvPr>
+            <p:ph type="title"/>
+          </p:nvPr>
+        </p:nvSpPr>
+        <p:spPr>
+          <a:xfrm>
+            <a:off x="311700" y="0"/>
+            <a:ext cx="8520600" cy="572700"/>
+          </a:xfrm>
+          <a:prstGeom prst="rect">
+            <a:avLst/>
+          </a:prstGeom>
+        </p:spPr>
+        <p:txBody>
+          <a:bodyPr spcFirstLastPara="1" wrap="square" lIns="91425" tIns="91425" rIns="91425" bIns="91425" anchor="t" anchorCtr="0">
+            <a:noAutofit/>
+          </a:bodyPr>
+          <a:lstStyle/>
+          <a:p>
+            <a:pPr marL="0" lvl="0" indent="0" algn="l" rtl="0">
+              <a:spcBef>
+                <a:spcPts val="0"/>
+              </a:spcBef>
+              <a:spcAft>
+                <a:spcPts val="0"/>
+              </a:spcAft>
+              <a:buNone/>
+            </a:pPr>
+            <a:r>
+              <a:rPr lang="en" dirty="0"/>
+              <a:t>Component 2 Version 4 - Test Plan (and screenshot)</a:t>
+            </a:r>
+            <a:endParaRPr dirty="0"/>
+          </a:p>
+        </p:txBody>
+      </p:sp>
+      <p:graphicFrame>
+        <p:nvGraphicFramePr>
+          <p:cNvPr id="79" name="Google Shape;79;p17"/>
+          <p:cNvGraphicFramePr/>
+          <p:nvPr>
+            <p:extLst>
+              <p:ext uri="{D42A27DB-BD31-4B8C-83A1-F6EECF244321}">
+                <p14:modId xmlns:p14="http://schemas.microsoft.com/office/powerpoint/2010/main" val="1673869073"/>
+              </p:ext>
+            </p:extLst>
+          </p:nvPr>
+        </p:nvGraphicFramePr>
+        <p:xfrm>
+          <a:off x="163988" y="2857560"/>
+          <a:ext cx="8520600" cy="2285940"/>
+        </p:xfrm>
+        <a:graphic>
+          <a:graphicData uri="http://schemas.openxmlformats.org/drawingml/2006/table">
+            <a:tbl>
+              <a:tblPr>
+                <a:noFill/>
+                <a:tableStyleId>{E1099E06-0E6B-448D-9D27-60429F06E6F4}</a:tableStyleId>
+              </a:tblPr>
+              <a:tblGrid>
+                <a:gridCol w="4260300">
+                  <a:extLst>
+                    <a:ext uri="{9D8B030D-6E8A-4147-A177-3AD203B41FA5}">
+                      <a16:colId xmlns:a16="http://schemas.microsoft.com/office/drawing/2014/main" val="20000"/>
+                    </a:ext>
+                  </a:extLst>
+                </a:gridCol>
+                <a:gridCol w="4260300">
+                  <a:extLst>
+                    <a:ext uri="{9D8B030D-6E8A-4147-A177-3AD203B41FA5}">
+                      <a16:colId xmlns:a16="http://schemas.microsoft.com/office/drawing/2014/main" val="20001"/>
+                    </a:ext>
+                  </a:extLst>
+                </a:gridCol>
+              </a:tblGrid>
+              <a:tr h="301964">
+                <a:tc>
+                  <a:txBody>
+                    <a:bodyPr/>
+                    <a:lstStyle/>
+                    <a:p>
+                      <a:pPr marL="0" lvl="0" indent="0" algn="l" rtl="0">
+                        <a:spcBef>
+                          <a:spcPts val="0"/>
+                        </a:spcBef>
+                        <a:spcAft>
+                          <a:spcPts val="0"/>
+                        </a:spcAft>
+                        <a:buNone/>
+                      </a:pPr>
+                      <a:r>
+                        <a:rPr lang="en" sz="1800" b="1" dirty="0"/>
+                        <a:t>Test Case</a:t>
+                      </a:r>
+                      <a:endParaRPr sz="1800" b="1" dirty="0"/>
+                    </a:p>
+                  </a:txBody>
+                  <a:tcPr marL="91425" marR="91425" marT="91425" marB="91425">
+                    <a:solidFill>
+                      <a:srgbClr val="CCCCCC"/>
+                    </a:solidFill>
+                  </a:tcPr>
+                </a:tc>
+                <a:tc>
+                  <a:txBody>
+                    <a:bodyPr/>
+                    <a:lstStyle/>
+                    <a:p>
+                      <a:pPr marL="0" lvl="0" indent="0" algn="l" rtl="0">
+                        <a:spcBef>
+                          <a:spcPts val="0"/>
+                        </a:spcBef>
+                        <a:spcAft>
+                          <a:spcPts val="0"/>
+                        </a:spcAft>
+                        <a:buNone/>
+                      </a:pPr>
+                      <a:r>
+                        <a:rPr lang="en" sz="1800" b="1" dirty="0"/>
+                        <a:t>Expected Values</a:t>
+                      </a:r>
+                      <a:endParaRPr sz="1800" b="1" dirty="0"/>
+                    </a:p>
+                  </a:txBody>
+                  <a:tcPr marL="91425" marR="91425" marT="91425" marB="91425">
+                    <a:solidFill>
+                      <a:srgbClr val="CCCCCC"/>
+                    </a:solidFill>
+                  </a:tcPr>
+                </a:tc>
+                <a:extLst>
+                  <a:ext uri="{0D108BD9-81ED-4DB2-BD59-A6C34878D82A}">
+                    <a16:rowId xmlns:a16="http://schemas.microsoft.com/office/drawing/2014/main" val="10000"/>
+                  </a:ext>
+                </a:extLst>
+              </a:tr>
+              <a:tr h="1270947">
+                <a:tc>
+                  <a:txBody>
+                    <a:bodyPr/>
+                    <a:lstStyle/>
+                    <a:p>
+                      <a:pPr marL="0" lvl="0" indent="0" algn="l" rtl="0">
+                        <a:spcBef>
+                          <a:spcPts val="0"/>
+                        </a:spcBef>
+                        <a:spcAft>
+                          <a:spcPts val="0"/>
+                        </a:spcAft>
+                        <a:buNone/>
+                      </a:pPr>
+                      <a:r>
+                        <a:rPr lang="en-NZ" sz="1800" dirty="0"/>
+                        <a:t>Run Program</a:t>
+                      </a:r>
+                      <a:endParaRPr sz="1800" dirty="0"/>
+                    </a:p>
+                  </a:txBody>
+                  <a:tcPr marL="91425" marR="91425" marT="91425" marB="91425"/>
+                </a:tc>
+                <a:tc>
+                  <a:txBody>
+                    <a:bodyPr/>
+                    <a:lstStyle/>
+                    <a:p>
+                      <a:pPr marL="0" lvl="0" indent="0" algn="l" rtl="0">
+                        <a:spcBef>
+                          <a:spcPts val="0"/>
+                        </a:spcBef>
+                        <a:spcAft>
+                          <a:spcPts val="0"/>
+                        </a:spcAft>
+                        <a:buNone/>
+                      </a:pPr>
+                      <a:r>
+                        <a:rPr lang="en-NZ" sz="1800" dirty="0"/>
+                        <a:t>Enter 1: Program prints pickup</a:t>
+                      </a:r>
+                    </a:p>
+                    <a:p>
+                      <a:pPr marL="0" lvl="0" indent="0" algn="l" rtl="0">
+                        <a:spcBef>
+                          <a:spcPts val="0"/>
+                        </a:spcBef>
+                        <a:spcAft>
+                          <a:spcPts val="0"/>
+                        </a:spcAft>
+                        <a:buNone/>
+                      </a:pPr>
+                      <a:r>
+                        <a:rPr lang="en-NZ" sz="1800" dirty="0"/>
+                        <a:t>Enter 2: Program prints delivery</a:t>
+                      </a:r>
+                    </a:p>
+                    <a:p>
+                      <a:pPr marL="0" lvl="0" indent="0" algn="l" rtl="0">
+                        <a:spcBef>
+                          <a:spcPts val="0"/>
+                        </a:spcBef>
+                        <a:spcAft>
+                          <a:spcPts val="0"/>
+                        </a:spcAft>
+                        <a:buNone/>
+                      </a:pPr>
+                      <a:r>
+                        <a:rPr lang="en-NZ" sz="1800" dirty="0"/>
+                        <a:t>Enter invalid: Program displays value error</a:t>
+                      </a:r>
+                    </a:p>
+                    <a:p>
+                      <a:pPr marL="0" lvl="0" indent="0" algn="l" rtl="0">
+                        <a:spcBef>
+                          <a:spcPts val="0"/>
+                        </a:spcBef>
+                        <a:spcAft>
+                          <a:spcPts val="0"/>
+                        </a:spcAft>
+                        <a:buNone/>
+                      </a:pPr>
+                      <a:r>
+                        <a:rPr lang="en-NZ" sz="1800" dirty="0"/>
+                        <a:t>Enter number other than 1 or 2: does not work </a:t>
+                      </a:r>
+                    </a:p>
+                  </a:txBody>
+                  <a:tcPr marL="91425" marR="91425" marT="91425" marB="91425"/>
+                </a:tc>
+                <a:extLst>
+                  <a:ext uri="{0D108BD9-81ED-4DB2-BD59-A6C34878D82A}">
+                    <a16:rowId xmlns:a16="http://schemas.microsoft.com/office/drawing/2014/main" val="10001"/>
+                  </a:ext>
+                </a:extLst>
+              </a:tr>
+            </a:tbl>
+          </a:graphicData>
+        </a:graphic>
+      </p:graphicFrame>
+      <p:pic>
+        <p:nvPicPr>
+          <p:cNvPr id="3" name="Picture 2">
+            <a:extLst>
+              <a:ext uri="{FF2B5EF4-FFF2-40B4-BE49-F238E27FC236}">
+                <a16:creationId xmlns:a16="http://schemas.microsoft.com/office/drawing/2014/main" id="{91C8F748-937E-4B53-9CF8-D8440C5560E0}"/>
+              </a:ext>
+            </a:extLst>
+          </p:cNvPr>
+          <p:cNvPicPr>
+            <a:picLocks noChangeAspect="1"/>
+          </p:cNvPicPr>
+          <p:nvPr/>
+        </p:nvPicPr>
+        <p:blipFill>
+          <a:blip r:embed="rId3"/>
+          <a:stretch>
+            <a:fillRect/>
+          </a:stretch>
+        </p:blipFill>
+        <p:spPr>
+          <a:xfrm>
+            <a:off x="163988" y="420046"/>
+            <a:ext cx="2955627" cy="2491030"/>
+          </a:xfrm>
+          <a:prstGeom prst="rect">
+            <a:avLst/>
+          </a:prstGeom>
+        </p:spPr>
+      </p:pic>
+      <p:pic>
+        <p:nvPicPr>
+          <p:cNvPr id="6" name="Picture 5">
+            <a:extLst>
+              <a:ext uri="{FF2B5EF4-FFF2-40B4-BE49-F238E27FC236}">
+                <a16:creationId xmlns:a16="http://schemas.microsoft.com/office/drawing/2014/main" id="{3234DFC5-2124-4963-B734-F60DF67A9056}"/>
+              </a:ext>
+            </a:extLst>
+          </p:cNvPr>
+          <p:cNvPicPr>
+            <a:picLocks noChangeAspect="1"/>
+          </p:cNvPicPr>
+          <p:nvPr/>
+        </p:nvPicPr>
+        <p:blipFill>
+          <a:blip r:embed="rId4"/>
+          <a:stretch>
+            <a:fillRect/>
+          </a:stretch>
+        </p:blipFill>
+        <p:spPr>
+          <a:xfrm>
+            <a:off x="4430166" y="473562"/>
+            <a:ext cx="4254422" cy="2383998"/>
+          </a:xfrm>
+          <a:prstGeom prst="rect">
+            <a:avLst/>
+          </a:prstGeom>
+        </p:spPr>
+      </p:pic>
+    </p:spTree>
+    <p:extLst>
+      <p:ext uri="{BB962C8B-B14F-4D97-AF65-F5344CB8AC3E}">
+        <p14:creationId xmlns:p14="http://schemas.microsoft.com/office/powerpoint/2010/main" val="2402634388"/>
+      </p:ext>
+    </p:extLst>
+  </p:cSld>
+  <p:clrMapOvr>
+    <a:masterClrMapping/>
+  </p:clrMapOvr>
+</p:sld>
+</file>
+
+<file path=ppt/slides/slide12.xml><?xml version="1.0" encoding="utf-8"?>
+<p:sld xmlns:a="http://schemas.openxmlformats.org/drawingml/2006/main" xmlns:r="http://schemas.openxmlformats.org/officeDocument/2006/relationships" xmlns:p="http://schemas.openxmlformats.org/presentationml/2006/main">
+  <p:cSld>
+    <p:spTree>
+      <p:nvGrpSpPr>
+        <p:cNvPr id="1" name="Shape 77"/>
+        <p:cNvGrpSpPr/>
+        <p:nvPr/>
+      </p:nvGrpSpPr>
+      <p:grpSpPr>
+        <a:xfrm>
+          <a:off x="0" y="0"/>
+          <a:ext cx="0" cy="0"/>
+          <a:chOff x="0" y="0"/>
+          <a:chExt cx="0" cy="0"/>
+        </a:xfrm>
+      </p:grpSpPr>
+      <p:sp>
+        <p:nvSpPr>
+          <p:cNvPr id="78" name="Google Shape;78;p17"/>
+          <p:cNvSpPr txBox="1">
+            <a:spLocks noGrp="1"/>
+          </p:cNvSpPr>
+          <p:nvPr>
+            <p:ph type="title"/>
+          </p:nvPr>
+        </p:nvSpPr>
+        <p:spPr>
+          <a:xfrm>
+            <a:off x="311700" y="0"/>
+            <a:ext cx="8520600" cy="572700"/>
+          </a:xfrm>
+          <a:prstGeom prst="rect">
+            <a:avLst/>
+          </a:prstGeom>
+        </p:spPr>
+        <p:txBody>
+          <a:bodyPr spcFirstLastPara="1" wrap="square" lIns="91425" tIns="91425" rIns="91425" bIns="91425" anchor="t" anchorCtr="0">
+            <a:noAutofit/>
+          </a:bodyPr>
+          <a:lstStyle/>
+          <a:p>
+            <a:pPr marL="0" lvl="0" indent="0" algn="l" rtl="0">
+              <a:spcBef>
+                <a:spcPts val="0"/>
+              </a:spcBef>
+              <a:spcAft>
+                <a:spcPts val="0"/>
+              </a:spcAft>
+              <a:buNone/>
+            </a:pPr>
+            <a:r>
+              <a:rPr lang="en" dirty="0"/>
+              <a:t>Component 2 Version 5 - Test Plan (and screenshot)</a:t>
+            </a:r>
+            <a:endParaRPr dirty="0"/>
+          </a:p>
+        </p:txBody>
+      </p:sp>
+      <p:graphicFrame>
+        <p:nvGraphicFramePr>
+          <p:cNvPr id="79" name="Google Shape;79;p17"/>
+          <p:cNvGraphicFramePr/>
+          <p:nvPr>
+            <p:extLst>
+              <p:ext uri="{D42A27DB-BD31-4B8C-83A1-F6EECF244321}">
+                <p14:modId xmlns:p14="http://schemas.microsoft.com/office/powerpoint/2010/main" val="3474820871"/>
+              </p:ext>
+            </p:extLst>
+          </p:nvPr>
+        </p:nvGraphicFramePr>
+        <p:xfrm>
+          <a:off x="163988" y="2857560"/>
+          <a:ext cx="8520600" cy="2285940"/>
+        </p:xfrm>
+        <a:graphic>
+          <a:graphicData uri="http://schemas.openxmlformats.org/drawingml/2006/table">
+            <a:tbl>
+              <a:tblPr>
+                <a:noFill/>
+                <a:tableStyleId>{E1099E06-0E6B-448D-9D27-60429F06E6F4}</a:tableStyleId>
+              </a:tblPr>
+              <a:tblGrid>
+                <a:gridCol w="4260300">
+                  <a:extLst>
+                    <a:ext uri="{9D8B030D-6E8A-4147-A177-3AD203B41FA5}">
+                      <a16:colId xmlns:a16="http://schemas.microsoft.com/office/drawing/2014/main" val="20000"/>
+                    </a:ext>
+                  </a:extLst>
+                </a:gridCol>
+                <a:gridCol w="4260300">
+                  <a:extLst>
+                    <a:ext uri="{9D8B030D-6E8A-4147-A177-3AD203B41FA5}">
+                      <a16:colId xmlns:a16="http://schemas.microsoft.com/office/drawing/2014/main" val="20001"/>
+                    </a:ext>
+                  </a:extLst>
+                </a:gridCol>
+              </a:tblGrid>
+              <a:tr h="301964">
+                <a:tc>
+                  <a:txBody>
+                    <a:bodyPr/>
+                    <a:lstStyle/>
+                    <a:p>
+                      <a:pPr marL="0" lvl="0" indent="0" algn="l" rtl="0">
+                        <a:spcBef>
+                          <a:spcPts val="0"/>
+                        </a:spcBef>
+                        <a:spcAft>
+                          <a:spcPts val="0"/>
+                        </a:spcAft>
+                        <a:buNone/>
+                      </a:pPr>
+                      <a:r>
+                        <a:rPr lang="en" sz="1800" b="1" dirty="0"/>
+                        <a:t>Test Case</a:t>
+                      </a:r>
+                      <a:endParaRPr sz="1800" b="1" dirty="0"/>
+                    </a:p>
+                  </a:txBody>
+                  <a:tcPr marL="91425" marR="91425" marT="91425" marB="91425">
+                    <a:solidFill>
+                      <a:srgbClr val="CCCCCC"/>
+                    </a:solidFill>
+                  </a:tcPr>
+                </a:tc>
+                <a:tc>
+                  <a:txBody>
+                    <a:bodyPr/>
+                    <a:lstStyle/>
+                    <a:p>
+                      <a:pPr marL="0" lvl="0" indent="0" algn="l" rtl="0">
+                        <a:spcBef>
+                          <a:spcPts val="0"/>
+                        </a:spcBef>
+                        <a:spcAft>
+                          <a:spcPts val="0"/>
+                        </a:spcAft>
+                        <a:buNone/>
+                      </a:pPr>
+                      <a:r>
+                        <a:rPr lang="en" sz="1800" b="1" dirty="0"/>
+                        <a:t>Expected Values</a:t>
+                      </a:r>
+                      <a:endParaRPr sz="1800" b="1" dirty="0"/>
+                    </a:p>
+                  </a:txBody>
+                  <a:tcPr marL="91425" marR="91425" marT="91425" marB="91425">
+                    <a:solidFill>
+                      <a:srgbClr val="CCCCCC"/>
+                    </a:solidFill>
+                  </a:tcPr>
+                </a:tc>
+                <a:extLst>
+                  <a:ext uri="{0D108BD9-81ED-4DB2-BD59-A6C34878D82A}">
+                    <a16:rowId xmlns:a16="http://schemas.microsoft.com/office/drawing/2014/main" val="10000"/>
+                  </a:ext>
+                </a:extLst>
+              </a:tr>
+              <a:tr h="1270947">
+                <a:tc>
+                  <a:txBody>
+                    <a:bodyPr/>
+                    <a:lstStyle/>
+                    <a:p>
+                      <a:pPr marL="0" lvl="0" indent="0" algn="l" rtl="0">
+                        <a:spcBef>
+                          <a:spcPts val="0"/>
+                        </a:spcBef>
+                        <a:spcAft>
+                          <a:spcPts val="0"/>
+                        </a:spcAft>
+                        <a:buNone/>
+                      </a:pPr>
+                      <a:r>
+                        <a:rPr lang="en-NZ" sz="1800" dirty="0"/>
+                        <a:t>Run Program</a:t>
+                      </a:r>
+                      <a:endParaRPr sz="1800" dirty="0"/>
+                    </a:p>
+                  </a:txBody>
+                  <a:tcPr marL="91425" marR="91425" marT="91425" marB="91425"/>
+                </a:tc>
+                <a:tc>
+                  <a:txBody>
+                    <a:bodyPr/>
+                    <a:lstStyle/>
+                    <a:p>
+                      <a:pPr marL="0" lvl="0" indent="0" algn="l" rtl="0">
+                        <a:spcBef>
+                          <a:spcPts val="0"/>
+                        </a:spcBef>
+                        <a:spcAft>
+                          <a:spcPts val="0"/>
+                        </a:spcAft>
+                        <a:buNone/>
+                      </a:pPr>
+                      <a:r>
+                        <a:rPr lang="en-NZ" sz="1800" dirty="0"/>
+                        <a:t>Enter 1: Program prints pickup</a:t>
+                      </a:r>
+                    </a:p>
+                    <a:p>
+                      <a:pPr marL="0" lvl="0" indent="0" algn="l" rtl="0">
+                        <a:spcBef>
+                          <a:spcPts val="0"/>
+                        </a:spcBef>
+                        <a:spcAft>
+                          <a:spcPts val="0"/>
+                        </a:spcAft>
+                        <a:buNone/>
+                      </a:pPr>
+                      <a:r>
+                        <a:rPr lang="en-NZ" sz="1800" dirty="0"/>
+                        <a:t>Enter 2: Program prints delivery</a:t>
+                      </a:r>
+                    </a:p>
+                    <a:p>
+                      <a:pPr marL="0" lvl="0" indent="0" algn="l" rtl="0">
+                        <a:spcBef>
+                          <a:spcPts val="0"/>
+                        </a:spcBef>
+                        <a:spcAft>
+                          <a:spcPts val="0"/>
+                        </a:spcAft>
+                        <a:buNone/>
+                      </a:pPr>
+                      <a:r>
+                        <a:rPr lang="en-NZ" sz="1800" dirty="0"/>
+                        <a:t>Enter invalid: Error message then asks for input again</a:t>
+                      </a:r>
+                    </a:p>
+                    <a:p>
+                      <a:pPr marL="0" lvl="0" indent="0" algn="l" rtl="0">
+                        <a:spcBef>
+                          <a:spcPts val="0"/>
+                        </a:spcBef>
+                        <a:spcAft>
+                          <a:spcPts val="0"/>
+                        </a:spcAft>
+                        <a:buNone/>
+                      </a:pPr>
+                      <a:r>
+                        <a:rPr lang="en-NZ" sz="1800" dirty="0"/>
+                        <a:t>Enter number other than 1 or 2: Error message asks for </a:t>
+                      </a:r>
+                      <a:r>
+                        <a:rPr lang="en-NZ" sz="1800"/>
+                        <a:t>entry again.</a:t>
+                      </a:r>
+                      <a:endParaRPr lang="en-NZ" sz="1800" dirty="0"/>
+                    </a:p>
+                  </a:txBody>
+                  <a:tcPr marL="91425" marR="91425" marT="91425" marB="91425"/>
+                </a:tc>
+                <a:extLst>
+                  <a:ext uri="{0D108BD9-81ED-4DB2-BD59-A6C34878D82A}">
+                    <a16:rowId xmlns:a16="http://schemas.microsoft.com/office/drawing/2014/main" val="10001"/>
+                  </a:ext>
+                </a:extLst>
+              </a:tr>
+            </a:tbl>
+          </a:graphicData>
+        </a:graphic>
+      </p:graphicFrame>
+      <p:pic>
+        <p:nvPicPr>
+          <p:cNvPr id="7" name="Picture 6">
+            <a:extLst>
+              <a:ext uri="{FF2B5EF4-FFF2-40B4-BE49-F238E27FC236}">
+                <a16:creationId xmlns:a16="http://schemas.microsoft.com/office/drawing/2014/main" id="{E45B6A0D-C7D9-411A-9335-6A2C634E11FF}"/>
+              </a:ext>
+            </a:extLst>
+          </p:cNvPr>
+          <p:cNvPicPr>
+            <a:picLocks noChangeAspect="1"/>
+          </p:cNvPicPr>
+          <p:nvPr/>
+        </p:nvPicPr>
+        <p:blipFill>
+          <a:blip r:embed="rId3"/>
+          <a:stretch>
+            <a:fillRect/>
+          </a:stretch>
+        </p:blipFill>
+        <p:spPr>
+          <a:xfrm>
+            <a:off x="244651" y="509726"/>
+            <a:ext cx="3087385" cy="2347834"/>
+          </a:xfrm>
+          <a:prstGeom prst="rect">
+            <a:avLst/>
+          </a:prstGeom>
+        </p:spPr>
+      </p:pic>
+      <p:pic>
+        <p:nvPicPr>
+          <p:cNvPr id="9" name="Picture 8">
+            <a:extLst>
+              <a:ext uri="{FF2B5EF4-FFF2-40B4-BE49-F238E27FC236}">
+                <a16:creationId xmlns:a16="http://schemas.microsoft.com/office/drawing/2014/main" id="{F66FF9D4-7FC0-4504-B95D-618144D994DE}"/>
+              </a:ext>
+            </a:extLst>
+          </p:cNvPr>
+          <p:cNvPicPr>
+            <a:picLocks noChangeAspect="1"/>
+          </p:cNvPicPr>
+          <p:nvPr/>
+        </p:nvPicPr>
+        <p:blipFill>
+          <a:blip r:embed="rId4"/>
+          <a:stretch>
+            <a:fillRect/>
+          </a:stretch>
+        </p:blipFill>
+        <p:spPr>
+          <a:xfrm>
+            <a:off x="4654995" y="509726"/>
+            <a:ext cx="3037438" cy="2285940"/>
+          </a:xfrm>
+          <a:prstGeom prst="rect">
+            <a:avLst/>
+          </a:prstGeom>
+        </p:spPr>
+      </p:pic>
+    </p:spTree>
+    <p:extLst>
+      <p:ext uri="{BB962C8B-B14F-4D97-AF65-F5344CB8AC3E}">
+        <p14:creationId xmlns:p14="http://schemas.microsoft.com/office/powerpoint/2010/main" val="2237832707"/>
+      </p:ext>
+    </p:extLst>
+  </p:cSld>
+  <p:clrMapOvr>
+    <a:masterClrMapping/>
+  </p:clrMapOvr>
+</p:sld>
+</file>
+
+<file path=ppt/slides/slide13.xml><?xml version="1.0" encoding="utf-8"?>
+<p:sld xmlns:a="http://schemas.openxmlformats.org/drawingml/2006/main" xmlns:r="http://schemas.openxmlformats.org/officeDocument/2006/relationships" xmlns:p="http://schemas.openxmlformats.org/presentationml/2006/main">
+  <p:cSld>
+    <p:bg>
+      <p:bgPr>
+        <a:solidFill>
+          <a:srgbClr val="D9EAD3"/>
+        </a:solidFill>
+        <a:effectLst/>
+      </p:bgPr>
+    </p:bg>
+    <p:spTree>
+      <p:nvGrpSpPr>
+        <p:cNvPr id="1" name="Shape 83"/>
+        <p:cNvGrpSpPr/>
+        <p:nvPr/>
+      </p:nvGrpSpPr>
+      <p:grpSpPr>
+        <a:xfrm>
+          <a:off x="0" y="0"/>
+          <a:ext cx="0" cy="0"/>
+          <a:chOff x="0" y="0"/>
+          <a:chExt cx="0" cy="0"/>
+        </a:xfrm>
+      </p:grpSpPr>
+      <p:sp>
+        <p:nvSpPr>
+          <p:cNvPr id="84" name="Google Shape;84;p18"/>
+          <p:cNvSpPr txBox="1">
+            <a:spLocks noGrp="1"/>
+          </p:cNvSpPr>
+          <p:nvPr>
+            <p:ph type="title"/>
+          </p:nvPr>
+        </p:nvSpPr>
+        <p:spPr>
+          <a:xfrm>
+            <a:off x="311700" y="445025"/>
+            <a:ext cx="8520600" cy="572700"/>
+          </a:xfrm>
+          <a:prstGeom prst="rect">
+            <a:avLst/>
+          </a:prstGeom>
+        </p:spPr>
+        <p:txBody>
+          <a:bodyPr spcFirstLastPara="1" wrap="square" lIns="91425" tIns="91425" rIns="91425" bIns="91425" anchor="t" anchorCtr="0">
+            <a:noAutofit/>
+          </a:bodyPr>
+          <a:lstStyle/>
+          <a:p>
+            <a:pPr marL="0" lvl="0" indent="0" algn="l" rtl="0">
+              <a:spcBef>
+                <a:spcPts val="0"/>
+              </a:spcBef>
+              <a:spcAft>
+                <a:spcPts val="0"/>
+              </a:spcAft>
+              <a:buNone/>
+            </a:pPr>
+            <a:r>
+              <a:rPr lang="en"/>
+              <a:t>Version Control Evidence</a:t>
+            </a:r>
+            <a:endParaRPr/>
+          </a:p>
+        </p:txBody>
+      </p:sp>
+      <p:sp>
+        <p:nvSpPr>
+          <p:cNvPr id="85" name="Google Shape;85;p18"/>
+          <p:cNvSpPr txBox="1">
+            <a:spLocks noGrp="1"/>
+          </p:cNvSpPr>
+          <p:nvPr>
+            <p:ph type="body" idx="1"/>
+          </p:nvPr>
+        </p:nvSpPr>
+        <p:spPr>
+          <a:xfrm>
+            <a:off x="311700" y="1152475"/>
+            <a:ext cx="8464200" cy="3739200"/>
+          </a:xfrm>
+          <a:prstGeom prst="rect">
+            <a:avLst/>
+          </a:prstGeom>
+        </p:spPr>
+        <p:txBody>
+          <a:bodyPr spcFirstLastPara="1" wrap="square" lIns="91425" tIns="91425" rIns="91425" bIns="91425" anchor="t" anchorCtr="0">
+            <a:noAutofit/>
+          </a:bodyPr>
+          <a:lstStyle/>
+          <a:p>
+            <a:pPr marL="0" lvl="0" indent="0" algn="l" rtl="0">
+              <a:spcBef>
+                <a:spcPts val="0"/>
+              </a:spcBef>
+              <a:spcAft>
+                <a:spcPts val="1600"/>
+              </a:spcAft>
+              <a:buNone/>
+            </a:pPr>
+            <a:r>
+              <a:rPr lang="en" i="1"/>
+              <a:t>Your version control evidence should go here.  This could be in the form of annotated screenshots which show you you managed this process or you could make a brief screencast explaining how you implemented version control.</a:t>
+            </a:r>
+            <a:endParaRPr i="1"/>
+          </a:p>
+        </p:txBody>
+      </p:sp>
+    </p:spTree>
+  </p:cSld>
+  <p:clrMapOvr>
+    <a:masterClrMapping/>
+  </p:clrMapOvr>
+</p:sld>
+</file>
+
+<file path=ppt/slides/slide14.xml><?xml version="1.0" encoding="utf-8"?>
+<p:sld xmlns:a="http://schemas.openxmlformats.org/drawingml/2006/main" xmlns:r="http://schemas.openxmlformats.org/officeDocument/2006/relationships" xmlns:p="http://schemas.openxmlformats.org/presentationml/2006/main">
+  <p:cSld>
+    <p:bg>
+      <p:bgPr>
+        <a:solidFill>
+          <a:srgbClr val="FFE599"/>
+        </a:solidFill>
+        <a:effectLst/>
+      </p:bgPr>
+    </p:bg>
+    <p:spTree>
+      <p:nvGrpSpPr>
+        <p:cNvPr id="1" name="Shape 89"/>
+        <p:cNvGrpSpPr/>
+        <p:nvPr/>
+      </p:nvGrpSpPr>
+      <p:grpSpPr>
+        <a:xfrm>
+          <a:off x="0" y="0"/>
+          <a:ext cx="0" cy="0"/>
+          <a:chOff x="0" y="0"/>
+          <a:chExt cx="0" cy="0"/>
+        </a:xfrm>
+      </p:grpSpPr>
+      <p:sp>
+        <p:nvSpPr>
+          <p:cNvPr id="90" name="Google Shape;90;p19"/>
+          <p:cNvSpPr txBox="1">
+            <a:spLocks noGrp="1"/>
+          </p:cNvSpPr>
+          <p:nvPr>
+            <p:ph type="body" idx="1"/>
+          </p:nvPr>
+        </p:nvSpPr>
+        <p:spPr>
+          <a:xfrm>
+            <a:off x="311700" y="397700"/>
+            <a:ext cx="8520600" cy="4171200"/>
+          </a:xfrm>
+          <a:prstGeom prst="rect">
+            <a:avLst/>
+          </a:prstGeom>
+        </p:spPr>
+        <p:txBody>
+          <a:bodyPr spcFirstLastPara="1" wrap="square" lIns="91425" tIns="91425" rIns="91425" bIns="91425" anchor="t" anchorCtr="0">
+            <a:noAutofit/>
+          </a:bodyPr>
+          <a:lstStyle/>
+          <a:p>
+            <a:pPr marL="0" lvl="0" indent="0" algn="l" rtl="0">
+              <a:spcBef>
+                <a:spcPts val="0"/>
+              </a:spcBef>
+              <a:spcAft>
+                <a:spcPts val="1600"/>
+              </a:spcAft>
+              <a:buNone/>
+            </a:pPr>
+            <a:r>
+              <a:rPr lang="en" b="1" i="1">
+                <a:solidFill>
+                  <a:srgbClr val="595959"/>
+                </a:solidFill>
+              </a:rPr>
+              <a:t>Discusses how the information from planning, testing and trialling of components assisted in the development of a high-quality outcome</a:t>
+            </a:r>
+            <a:endParaRPr/>
+          </a:p>
+        </p:txBody>
+      </p:sp>
     </p:spTree>
   </p:cSld>
   <p:clrMapOvr>
@@ -6845,14 +8675,70 @@
               </a:spcAft>
               <a:buNone/>
             </a:pPr>
-            <a:r>
-              <a:rPr lang="en" i="1"/>
-              <a:t>Paste screenshots of your initial Trello board / task decomposition on this slide.  If you have a long list, you might need to break it up into several columns.  Delete this instruction when you are done.</a:t>
-            </a:r>
-            <a:endParaRPr i="1"/>
+            <a:endParaRPr i="1" dirty="0"/>
           </a:p>
         </p:txBody>
       </p:sp>
+      <p:pic>
+        <p:nvPicPr>
+          <p:cNvPr id="3" name="Picture 2">
+            <a:extLst>
+              <a:ext uri="{FF2B5EF4-FFF2-40B4-BE49-F238E27FC236}">
+                <a16:creationId xmlns:a16="http://schemas.microsoft.com/office/drawing/2014/main" id="{890F0851-94C7-4F54-8EBB-D8FB32B0C54B}"/>
+              </a:ext>
+            </a:extLst>
+          </p:cNvPr>
+          <p:cNvPicPr>
+            <a:picLocks noChangeAspect="1"/>
+          </p:cNvPicPr>
+          <p:nvPr/>
+        </p:nvPicPr>
+        <p:blipFill>
+          <a:blip r:embed="rId3"/>
+          <a:stretch>
+            <a:fillRect/>
+          </a:stretch>
+        </p:blipFill>
+        <p:spPr>
+          <a:xfrm>
+            <a:off x="89941" y="1017725"/>
+            <a:ext cx="5478905" cy="2305805"/>
+          </a:xfrm>
+          <a:prstGeom prst="rect">
+            <a:avLst/>
+          </a:prstGeom>
+        </p:spPr>
+      </p:pic>
+      <p:pic>
+        <p:nvPicPr>
+          <p:cNvPr id="5" name="Picture 4">
+            <a:extLst>
+              <a:ext uri="{FF2B5EF4-FFF2-40B4-BE49-F238E27FC236}">
+                <a16:creationId xmlns:a16="http://schemas.microsoft.com/office/drawing/2014/main" id="{99451F94-E0F3-4E47-B5AE-7102708C8C57}"/>
+              </a:ext>
+            </a:extLst>
+          </p:cNvPr>
+          <p:cNvPicPr>
+            <a:picLocks noChangeAspect="1"/>
+          </p:cNvPicPr>
+          <p:nvPr/>
+        </p:nvPicPr>
+        <p:blipFill>
+          <a:blip r:embed="rId4"/>
+          <a:stretch>
+            <a:fillRect/>
+          </a:stretch>
+        </p:blipFill>
+        <p:spPr>
+          <a:xfrm>
+            <a:off x="2766195" y="2675744"/>
+            <a:ext cx="6377806" cy="2436456"/>
+          </a:xfrm>
+          <a:prstGeom prst="rect">
+            <a:avLst/>
+          </a:prstGeom>
+        </p:spPr>
+      </p:pic>
     </p:spTree>
   </p:cSld>
   <p:clrMapOvr>
@@ -6928,6 +8814,36 @@
           </a:p>
         </p:txBody>
       </p:sp>
+      <p:pic>
+        <p:nvPicPr>
+          <p:cNvPr id="4" name="Picture 3">
+            <a:extLst>
+              <a:ext uri="{FF2B5EF4-FFF2-40B4-BE49-F238E27FC236}">
+                <a16:creationId xmlns:a16="http://schemas.microsoft.com/office/drawing/2014/main" id="{A3A6288A-68B1-4F4E-8931-2A3D2BCD90C9}"/>
+              </a:ext>
+            </a:extLst>
+          </p:cNvPr>
+          <p:cNvPicPr>
+            <a:picLocks noChangeAspect="1"/>
+          </p:cNvPicPr>
+          <p:nvPr/>
+        </p:nvPicPr>
+        <p:blipFill>
+          <a:blip r:embed="rId3"/>
+          <a:stretch>
+            <a:fillRect/>
+          </a:stretch>
+        </p:blipFill>
+        <p:spPr>
+          <a:xfrm>
+            <a:off x="389744" y="976662"/>
+            <a:ext cx="8042223" cy="3744811"/>
+          </a:xfrm>
+          <a:prstGeom prst="rect">
+            <a:avLst/>
+          </a:prstGeom>
+        </p:spPr>
+      </p:pic>
     </p:spTree>
   </p:cSld>
   <p:clrMapOvr>
@@ -6999,11 +8915,17 @@
         <p:nvGraphicFramePr>
           <p:cNvPr id="79" name="Google Shape;79;p17"/>
           <p:cNvGraphicFramePr/>
-          <p:nvPr/>
+          <p:nvPr>
+            <p:extLst>
+              <p:ext uri="{D42A27DB-BD31-4B8C-83A1-F6EECF244321}">
+                <p14:modId xmlns:p14="http://schemas.microsoft.com/office/powerpoint/2010/main" val="3825114659"/>
+              </p:ext>
+            </p:extLst>
+          </p:nvPr>
         </p:nvGraphicFramePr>
         <p:xfrm>
-          <a:off x="382475" y="1267725"/>
-          <a:ext cx="8520600" cy="914340"/>
+          <a:off x="240925" y="2489423"/>
+          <a:ext cx="8520600" cy="2381371"/>
         </p:xfrm>
         <a:graphic>
           <a:graphicData uri="http://schemas.openxmlformats.org/drawingml/2006/table">
@@ -7044,10 +8966,10 @@
                         <a:buNone/>
                       </a:pPr>
                       <a:r>
-                        <a:rPr lang="en" sz="1800" b="1"/>
+                        <a:rPr lang="en" sz="1800" b="1" dirty="0"/>
                         <a:t>Test Case</a:t>
                       </a:r>
-                      <a:endParaRPr sz="1800" b="1"/>
+                      <a:endParaRPr sz="1800" b="1" dirty="0"/>
                     </a:p>
                   </a:txBody>
                   <a:tcPr marL="91425" marR="91425" marT="91425" marB="91425">
@@ -7071,10 +8993,10 @@
                         <a:buNone/>
                       </a:pPr>
                       <a:r>
-                        <a:rPr lang="en" sz="1800" b="1"/>
+                        <a:rPr lang="en" sz="1800" b="1" dirty="0"/>
                         <a:t>Expected Values</a:t>
                       </a:r>
-                      <a:endParaRPr sz="1800" b="1"/>
+                      <a:endParaRPr sz="1800" b="1" dirty="0"/>
                     </a:p>
                   </a:txBody>
                   <a:tcPr marL="91425" marR="91425" marT="91425" marB="91425">
@@ -7089,7 +9011,7 @@
                   </a:ext>
                 </a:extLst>
               </a:tr>
-              <a:tr h="396200">
+              <a:tr h="1924201">
                 <a:tc>
                   <a:txBody>
                     <a:bodyPr/>
@@ -7104,7 +9026,11 @@
                         </a:spcAft>
                         <a:buNone/>
                       </a:pPr>
-                      <a:endParaRPr sz="1800"/>
+                      <a:r>
+                        <a:rPr lang="en-NZ" sz="1800" dirty="0"/>
+                        <a:t>Run Program</a:t>
+                      </a:r>
+                      <a:endParaRPr sz="1800" dirty="0"/>
                     </a:p>
                   </a:txBody>
                   <a:tcPr marL="91425" marR="91425" marT="91425" marB="91425"/>
@@ -7123,7 +9049,15 @@
                         </a:spcAft>
                         <a:buNone/>
                       </a:pPr>
-                      <a:endParaRPr sz="1800"/>
+                      <a:r>
+                        <a:rPr lang="en-NZ" sz="1800" dirty="0"/>
+                        <a:t>Print welcome message with random name from list of names – </a:t>
+                      </a:r>
+                      <a:r>
+                        <a:rPr lang="en-NZ" sz="1800"/>
+                        <a:t>Runs Correctly</a:t>
+                      </a:r>
+                      <a:endParaRPr sz="1800" dirty="0"/>
                     </a:p>
                   </a:txBody>
                   <a:tcPr marL="91425" marR="91425" marT="91425" marB="91425"/>
@@ -7138,6 +9072,66 @@
           </a:graphicData>
         </a:graphic>
       </p:graphicFrame>
+      <p:pic>
+        <p:nvPicPr>
+          <p:cNvPr id="3" name="Picture 2">
+            <a:extLst>
+              <a:ext uri="{FF2B5EF4-FFF2-40B4-BE49-F238E27FC236}">
+                <a16:creationId xmlns:a16="http://schemas.microsoft.com/office/drawing/2014/main" id="{669B8E71-90E2-4A0F-B48C-C6DD0AFD4E90}"/>
+              </a:ext>
+            </a:extLst>
+          </p:cNvPr>
+          <p:cNvPicPr>
+            <a:picLocks noChangeAspect="1"/>
+          </p:cNvPicPr>
+          <p:nvPr/>
+        </p:nvPicPr>
+        <p:blipFill>
+          <a:blip r:embed="rId3"/>
+          <a:stretch>
+            <a:fillRect/>
+          </a:stretch>
+        </p:blipFill>
+        <p:spPr>
+          <a:xfrm>
+            <a:off x="240926" y="917607"/>
+            <a:ext cx="4061252" cy="1463218"/>
+          </a:xfrm>
+          <a:prstGeom prst="rect">
+            <a:avLst/>
+          </a:prstGeom>
+        </p:spPr>
+      </p:pic>
+      <p:pic>
+        <p:nvPicPr>
+          <p:cNvPr id="5" name="Picture 4">
+            <a:extLst>
+              <a:ext uri="{FF2B5EF4-FFF2-40B4-BE49-F238E27FC236}">
+                <a16:creationId xmlns:a16="http://schemas.microsoft.com/office/drawing/2014/main" id="{DB05EAE6-0D7C-4D33-BC80-EB1D4468E5E9}"/>
+              </a:ext>
+            </a:extLst>
+          </p:cNvPr>
+          <p:cNvPicPr>
+            <a:picLocks noChangeAspect="1"/>
+          </p:cNvPicPr>
+          <p:nvPr/>
+        </p:nvPicPr>
+        <p:blipFill>
+          <a:blip r:embed="rId4"/>
+          <a:stretch>
+            <a:fillRect/>
+          </a:stretch>
+        </p:blipFill>
+        <p:spPr>
+          <a:xfrm>
+            <a:off x="4501225" y="1040261"/>
+            <a:ext cx="4080418" cy="1264113"/>
+          </a:xfrm>
+          <a:prstGeom prst="rect">
+            <a:avLst/>
+          </a:prstGeom>
+        </p:spPr>
+      </p:pic>
     </p:spTree>
   </p:cSld>
   <p:clrMapOvr>
@@ -7149,17 +9143,9 @@
 <file path=ppt/slides/slide6.xml><?xml version="1.0" encoding="utf-8"?>
 <p:sld xmlns:a="http://schemas.openxmlformats.org/drawingml/2006/main" xmlns:r="http://schemas.openxmlformats.org/officeDocument/2006/relationships" xmlns:p="http://schemas.openxmlformats.org/presentationml/2006/main">
   <p:cSld>
-    <p:bg>
-      <p:bgPr>
-        <a:solidFill>
-          <a:srgbClr val="D9EAD3"/>
-        </a:solidFill>
-        <a:effectLst/>
-      </p:bgPr>
-    </p:bg>
     <p:spTree>
       <p:nvGrpSpPr>
-        <p:cNvPr id="1" name="Shape 83"/>
+        <p:cNvPr id="1" name="Shape 77"/>
         <p:cNvGrpSpPr/>
         <p:nvPr/>
       </p:nvGrpSpPr>
@@ -7173,7 +9159,7 @@
       </p:grpSpPr>
       <p:sp>
         <p:nvSpPr>
-          <p:cNvPr id="84" name="Google Shape;84;p18"/>
+          <p:cNvPr id="78" name="Google Shape;78;p17"/>
           <p:cNvSpPr txBox="1">
             <a:spLocks noGrp="1"/>
           </p:cNvSpPr>
@@ -7206,56 +9192,240 @@
               <a:buNone/>
             </a:pPr>
             <a:r>
-              <a:rPr lang="en"/>
-              <a:t>Version Control Evidence</a:t>
+              <a:rPr lang="en" dirty="0"/>
+              <a:t>Component 1 Version 2 - Test Plan (?and screenshot)</a:t>
             </a:r>
-            <a:endParaRPr/>
+            <a:endParaRPr dirty="0"/>
           </a:p>
         </p:txBody>
       </p:sp>
-      <p:sp>
-        <p:nvSpPr>
-          <p:cNvPr id="85" name="Google Shape;85;p18"/>
-          <p:cNvSpPr txBox="1">
-            <a:spLocks noGrp="1"/>
-          </p:cNvSpPr>
+      <p:graphicFrame>
+        <p:nvGraphicFramePr>
+          <p:cNvPr id="79" name="Google Shape;79;p17"/>
+          <p:cNvGraphicFramePr/>
           <p:nvPr>
-            <p:ph type="body" idx="1"/>
+            <p:extLst>
+              <p:ext uri="{D42A27DB-BD31-4B8C-83A1-F6EECF244321}">
+                <p14:modId xmlns:p14="http://schemas.microsoft.com/office/powerpoint/2010/main" val="1025317442"/>
+              </p:ext>
+            </p:extLst>
           </p:nvPr>
-        </p:nvSpPr>
+        </p:nvGraphicFramePr>
+        <p:xfrm>
+          <a:off x="240925" y="3201456"/>
+          <a:ext cx="8520600" cy="1728117"/>
+        </p:xfrm>
+        <a:graphic>
+          <a:graphicData uri="http://schemas.openxmlformats.org/drawingml/2006/table">
+            <a:tbl>
+              <a:tblPr>
+                <a:noFill/>
+                <a:tableStyleId>{E1099E06-0E6B-448D-9D27-60429F06E6F4}</a:tableStyleId>
+              </a:tblPr>
+              <a:tblGrid>
+                <a:gridCol w="4260300">
+                  <a:extLst>
+                    <a:ext uri="{9D8B030D-6E8A-4147-A177-3AD203B41FA5}">
+                      <a16:colId xmlns:a16="http://schemas.microsoft.com/office/drawing/2014/main" val="20000"/>
+                    </a:ext>
+                  </a:extLst>
+                </a:gridCol>
+                <a:gridCol w="4260300">
+                  <a:extLst>
+                    <a:ext uri="{9D8B030D-6E8A-4147-A177-3AD203B41FA5}">
+                      <a16:colId xmlns:a16="http://schemas.microsoft.com/office/drawing/2014/main" val="20001"/>
+                    </a:ext>
+                  </a:extLst>
+                </a:gridCol>
+              </a:tblGrid>
+              <a:tr h="301964">
+                <a:tc>
+                  <a:txBody>
+                    <a:bodyPr/>
+                    <a:lstStyle/>
+                    <a:p>
+                      <a:pPr marL="0" lvl="0" indent="0" algn="l" rtl="0">
+                        <a:spcBef>
+                          <a:spcPts val="0"/>
+                        </a:spcBef>
+                        <a:spcAft>
+                          <a:spcPts val="0"/>
+                        </a:spcAft>
+                        <a:buNone/>
+                      </a:pPr>
+                      <a:r>
+                        <a:rPr lang="en" sz="1800" b="1" dirty="0"/>
+                        <a:t>Test Case</a:t>
+                      </a:r>
+                      <a:endParaRPr sz="1800" b="1" dirty="0"/>
+                    </a:p>
+                  </a:txBody>
+                  <a:tcPr marL="91425" marR="91425" marT="91425" marB="91425">
+                    <a:solidFill>
+                      <a:srgbClr val="CCCCCC"/>
+                    </a:solidFill>
+                  </a:tcPr>
+                </a:tc>
+                <a:tc>
+                  <a:txBody>
+                    <a:bodyPr/>
+                    <a:lstStyle/>
+                    <a:p>
+                      <a:pPr marL="0" lvl="0" indent="0" algn="l" rtl="0">
+                        <a:spcBef>
+                          <a:spcPts val="0"/>
+                        </a:spcBef>
+                        <a:spcAft>
+                          <a:spcPts val="0"/>
+                        </a:spcAft>
+                        <a:buNone/>
+                      </a:pPr>
+                      <a:r>
+                        <a:rPr lang="en" sz="1800" b="1" dirty="0"/>
+                        <a:t>Expected Values</a:t>
+                      </a:r>
+                      <a:endParaRPr sz="1800" b="1" dirty="0"/>
+                    </a:p>
+                  </a:txBody>
+                  <a:tcPr marL="91425" marR="91425" marT="91425" marB="91425">
+                    <a:solidFill>
+                      <a:srgbClr val="CCCCCC"/>
+                    </a:solidFill>
+                  </a:tcPr>
+                </a:tc>
+                <a:extLst>
+                  <a:ext uri="{0D108BD9-81ED-4DB2-BD59-A6C34878D82A}">
+                    <a16:rowId xmlns:a16="http://schemas.microsoft.com/office/drawing/2014/main" val="10000"/>
+                  </a:ext>
+                </a:extLst>
+              </a:tr>
+              <a:tr h="1270947">
+                <a:tc>
+                  <a:txBody>
+                    <a:bodyPr/>
+                    <a:lstStyle/>
+                    <a:p>
+                      <a:pPr marL="0" lvl="0" indent="0" algn="l" rtl="0">
+                        <a:spcBef>
+                          <a:spcPts val="0"/>
+                        </a:spcBef>
+                        <a:spcAft>
+                          <a:spcPts val="0"/>
+                        </a:spcAft>
+                        <a:buNone/>
+                      </a:pPr>
+                      <a:r>
+                        <a:rPr lang="en-NZ" sz="1800" dirty="0"/>
+                        <a:t>Run Program</a:t>
+                      </a:r>
+                      <a:endParaRPr sz="1800" dirty="0"/>
+                    </a:p>
+                  </a:txBody>
+                  <a:tcPr marL="91425" marR="91425" marT="91425" marB="91425"/>
+                </a:tc>
+                <a:tc>
+                  <a:txBody>
+                    <a:bodyPr/>
+                    <a:lstStyle/>
+                    <a:p>
+                      <a:pPr marL="0" lvl="0" indent="0" algn="l" rtl="0">
+                        <a:spcBef>
+                          <a:spcPts val="0"/>
+                        </a:spcBef>
+                        <a:spcAft>
+                          <a:spcPts val="0"/>
+                        </a:spcAft>
+                        <a:buNone/>
+                      </a:pPr>
+                      <a:r>
+                        <a:rPr lang="en-NZ" sz="1800" dirty="0"/>
+                        <a:t>Main and welcome run correctly. Welcome </a:t>
+                      </a:r>
+                      <a:r>
+                        <a:rPr lang="en-NZ" sz="1800"/>
+                        <a:t>message prints with random name.</a:t>
+                      </a:r>
+                      <a:endParaRPr sz="1800" dirty="0"/>
+                    </a:p>
+                  </a:txBody>
+                  <a:tcPr marL="91425" marR="91425" marT="91425" marB="91425"/>
+                </a:tc>
+                <a:extLst>
+                  <a:ext uri="{0D108BD9-81ED-4DB2-BD59-A6C34878D82A}">
+                    <a16:rowId xmlns:a16="http://schemas.microsoft.com/office/drawing/2014/main" val="10001"/>
+                  </a:ext>
+                </a:extLst>
+              </a:tr>
+            </a:tbl>
+          </a:graphicData>
+        </a:graphic>
+      </p:graphicFrame>
+      <p:pic>
+        <p:nvPicPr>
+          <p:cNvPr id="4" name="Picture 3">
+            <a:extLst>
+              <a:ext uri="{FF2B5EF4-FFF2-40B4-BE49-F238E27FC236}">
+                <a16:creationId xmlns:a16="http://schemas.microsoft.com/office/drawing/2014/main" id="{5332D0E0-A664-4643-B16E-80700357733F}"/>
+              </a:ext>
+            </a:extLst>
+          </p:cNvPr>
+          <p:cNvPicPr>
+            <a:picLocks noChangeAspect="1"/>
+          </p:cNvPicPr>
+          <p:nvPr/>
+        </p:nvPicPr>
+        <p:blipFill>
+          <a:blip r:embed="rId3"/>
+          <a:stretch>
+            <a:fillRect/>
+          </a:stretch>
+        </p:blipFill>
         <p:spPr>
           <a:xfrm>
-            <a:off x="311700" y="1152475"/>
-            <a:ext cx="8464200" cy="3739200"/>
+            <a:off x="135138" y="1017725"/>
+            <a:ext cx="4151810" cy="1987803"/>
           </a:xfrm>
           <a:prstGeom prst="rect">
             <a:avLst/>
           </a:prstGeom>
         </p:spPr>
-        <p:txBody>
-          <a:bodyPr spcFirstLastPara="1" wrap="square" lIns="91425" tIns="91425" rIns="91425" bIns="91425" anchor="t" anchorCtr="0">
-            <a:noAutofit/>
-          </a:bodyPr>
-          <a:lstStyle/>
-          <a:p>
-            <a:pPr marL="0" lvl="0" indent="0" algn="l" rtl="0">
-              <a:spcBef>
-                <a:spcPts val="0"/>
-              </a:spcBef>
-              <a:spcAft>
-                <a:spcPts val="1600"/>
-              </a:spcAft>
-              <a:buNone/>
-            </a:pPr>
-            <a:r>
-              <a:rPr lang="en" i="1"/>
-              <a:t>Your version control evidence should go here.  This could be in the form of annotated screenshots which show you you managed this process or you could make a brief screencast explaining how you implemented version control.</a:t>
-            </a:r>
-            <a:endParaRPr i="1"/>
-          </a:p>
-        </p:txBody>
-      </p:sp>
+      </p:pic>
+      <p:pic>
+        <p:nvPicPr>
+          <p:cNvPr id="7" name="Picture 6">
+            <a:extLst>
+              <a:ext uri="{FF2B5EF4-FFF2-40B4-BE49-F238E27FC236}">
+                <a16:creationId xmlns:a16="http://schemas.microsoft.com/office/drawing/2014/main" id="{4DEC1B98-A200-4111-A665-6415DC0993A3}"/>
+              </a:ext>
+            </a:extLst>
+          </p:cNvPr>
+          <p:cNvPicPr>
+            <a:picLocks noChangeAspect="1"/>
+          </p:cNvPicPr>
+          <p:nvPr/>
+        </p:nvPicPr>
+        <p:blipFill>
+          <a:blip r:embed="rId4"/>
+          <a:stretch>
+            <a:fillRect/>
+          </a:stretch>
+        </p:blipFill>
+        <p:spPr>
+          <a:xfrm>
+            <a:off x="3342806" y="2001046"/>
+            <a:ext cx="5733738" cy="1004482"/>
+          </a:xfrm>
+          <a:prstGeom prst="rect">
+            <a:avLst/>
+          </a:prstGeom>
+        </p:spPr>
+      </p:pic>
     </p:spTree>
+    <p:extLst>
+      <p:ext uri="{BB962C8B-B14F-4D97-AF65-F5344CB8AC3E}">
+        <p14:creationId xmlns:p14="http://schemas.microsoft.com/office/powerpoint/2010/main" val="1265139911"/>
+      </p:ext>
+    </p:extLst>
   </p:cSld>
   <p:clrMapOvr>
     <a:masterClrMapping/>
@@ -7266,17 +9436,9 @@
 <file path=ppt/slides/slide7.xml><?xml version="1.0" encoding="utf-8"?>
 <p:sld xmlns:a="http://schemas.openxmlformats.org/drawingml/2006/main" xmlns:r="http://schemas.openxmlformats.org/officeDocument/2006/relationships" xmlns:p="http://schemas.openxmlformats.org/presentationml/2006/main">
   <p:cSld>
-    <p:bg>
-      <p:bgPr>
-        <a:solidFill>
-          <a:srgbClr val="FFE599"/>
-        </a:solidFill>
-        <a:effectLst/>
-      </p:bgPr>
-    </p:bg>
     <p:spTree>
       <p:nvGrpSpPr>
-        <p:cNvPr id="1" name="Shape 89"/>
+        <p:cNvPr id="1" name=""/>
         <p:cNvGrpSpPr/>
         <p:nvPr/>
       </p:nvGrpSpPr>
@@ -7290,18 +9452,131 @@
       </p:grpSpPr>
       <p:sp>
         <p:nvSpPr>
-          <p:cNvPr id="90" name="Google Shape;90;p19"/>
-          <p:cNvSpPr txBox="1">
+          <p:cNvPr id="2" name="Title 1">
+            <a:extLst>
+              <a:ext uri="{FF2B5EF4-FFF2-40B4-BE49-F238E27FC236}">
+                <a16:creationId xmlns:a16="http://schemas.microsoft.com/office/drawing/2014/main" id="{F5D084FA-ACE5-4724-8BA8-6EF7082ABA44}"/>
+              </a:ext>
+            </a:extLst>
+          </p:cNvPr>
+          <p:cNvSpPr>
+            <a:spLocks noGrp="1"/>
+          </p:cNvSpPr>
+          <p:nvPr>
+            <p:ph type="title"/>
+          </p:nvPr>
+        </p:nvSpPr>
+        <p:spPr/>
+        <p:txBody>
+          <a:bodyPr/>
+          <a:lstStyle/>
+          <a:p>
+            <a:r>
+              <a:rPr lang="en-NZ" sz="2400" dirty="0"/>
+              <a:t>Component 2 (Trello Screenshot)</a:t>
+            </a:r>
+          </a:p>
+        </p:txBody>
+      </p:sp>
+      <p:sp>
+        <p:nvSpPr>
+          <p:cNvPr id="3" name="Text Placeholder 2">
+            <a:extLst>
+              <a:ext uri="{FF2B5EF4-FFF2-40B4-BE49-F238E27FC236}">
+                <a16:creationId xmlns:a16="http://schemas.microsoft.com/office/drawing/2014/main" id="{48AB168B-6D4B-46FB-9198-A3FFBA877C20}"/>
+              </a:ext>
+            </a:extLst>
+          </p:cNvPr>
+          <p:cNvSpPr>
             <a:spLocks noGrp="1"/>
           </p:cNvSpPr>
           <p:nvPr>
             <p:ph type="body" idx="1"/>
           </p:nvPr>
         </p:nvSpPr>
+        <p:spPr/>
+        <p:txBody>
+          <a:bodyPr/>
+          <a:lstStyle/>
+          <a:p>
+            <a:endParaRPr lang="en-NZ" dirty="0"/>
+          </a:p>
+        </p:txBody>
+      </p:sp>
+      <p:pic>
+        <p:nvPicPr>
+          <p:cNvPr id="5" name="Picture 4">
+            <a:extLst>
+              <a:ext uri="{FF2B5EF4-FFF2-40B4-BE49-F238E27FC236}">
+                <a16:creationId xmlns:a16="http://schemas.microsoft.com/office/drawing/2014/main" id="{EB189A50-D2AD-4CDE-A6E5-FB9B2B3C2CDE}"/>
+              </a:ext>
+            </a:extLst>
+          </p:cNvPr>
+          <p:cNvPicPr>
+            <a:picLocks noChangeAspect="1"/>
+          </p:cNvPicPr>
+          <p:nvPr/>
+        </p:nvPicPr>
+        <p:blipFill>
+          <a:blip r:embed="rId2"/>
+          <a:stretch>
+            <a:fillRect/>
+          </a:stretch>
+        </p:blipFill>
         <p:spPr>
           <a:xfrm>
-            <a:off x="311700" y="397700"/>
-            <a:ext cx="8520600" cy="4171200"/>
+            <a:off x="682052" y="1088000"/>
+            <a:ext cx="7015397" cy="3399308"/>
+          </a:xfrm>
+          <a:prstGeom prst="rect">
+            <a:avLst/>
+          </a:prstGeom>
+        </p:spPr>
+      </p:pic>
+    </p:spTree>
+    <p:extLst>
+      <p:ext uri="{BB962C8B-B14F-4D97-AF65-F5344CB8AC3E}">
+        <p14:creationId xmlns:p14="http://schemas.microsoft.com/office/powerpoint/2010/main" val="602841520"/>
+      </p:ext>
+    </p:extLst>
+  </p:cSld>
+  <p:clrMapOvr>
+    <a:masterClrMapping/>
+  </p:clrMapOvr>
+</p:sld>
+</file>
+
+<file path=ppt/slides/slide8.xml><?xml version="1.0" encoding="utf-8"?>
+<p:sld xmlns:a="http://schemas.openxmlformats.org/drawingml/2006/main" xmlns:r="http://schemas.openxmlformats.org/officeDocument/2006/relationships" xmlns:p="http://schemas.openxmlformats.org/presentationml/2006/main">
+  <p:cSld>
+    <p:spTree>
+      <p:nvGrpSpPr>
+        <p:cNvPr id="1" name="Shape 77"/>
+        <p:cNvGrpSpPr/>
+        <p:nvPr/>
+      </p:nvGrpSpPr>
+      <p:grpSpPr>
+        <a:xfrm>
+          <a:off x="0" y="0"/>
+          <a:ext cx="0" cy="0"/>
+          <a:chOff x="0" y="0"/>
+          <a:chExt cx="0" cy="0"/>
+        </a:xfrm>
+      </p:grpSpPr>
+      <p:sp>
+        <p:nvSpPr>
+          <p:cNvPr id="78" name="Google Shape;78;p17"/>
+          <p:cNvSpPr txBox="1">
+            <a:spLocks noGrp="1"/>
+          </p:cNvSpPr>
+          <p:nvPr>
+            <p:ph type="title"/>
+          </p:nvPr>
+        </p:nvSpPr>
+        <p:spPr>
+          <a:xfrm>
+            <a:off x="311700" y="445025"/>
+            <a:ext cx="8520600" cy="572700"/>
           </a:xfrm>
           <a:prstGeom prst="rect">
             <a:avLst/>
@@ -7318,23 +9593,588 @@
                 <a:spcPts val="0"/>
               </a:spcBef>
               <a:spcAft>
-                <a:spcPts val="1600"/>
+                <a:spcPts val="0"/>
               </a:spcAft>
               <a:buNone/>
             </a:pPr>
             <a:r>
-              <a:rPr lang="en" b="1" i="1">
-                <a:solidFill>
-                  <a:srgbClr val="595959"/>
-                </a:solidFill>
-              </a:rPr>
-              <a:t>Discusses how the information from planning, testing and trialling of components assisted in the development of a high-quality outcome</a:t>
+              <a:rPr lang="en" dirty="0"/>
+              <a:t>Component 2 Version 1 - Test Plan (and screenshot)</a:t>
             </a:r>
-            <a:endParaRPr/>
+            <a:endParaRPr dirty="0"/>
           </a:p>
         </p:txBody>
       </p:sp>
+      <p:graphicFrame>
+        <p:nvGraphicFramePr>
+          <p:cNvPr id="79" name="Google Shape;79;p17"/>
+          <p:cNvGraphicFramePr/>
+          <p:nvPr>
+            <p:extLst>
+              <p:ext uri="{D42A27DB-BD31-4B8C-83A1-F6EECF244321}">
+                <p14:modId xmlns:p14="http://schemas.microsoft.com/office/powerpoint/2010/main" val="1004637994"/>
+              </p:ext>
+            </p:extLst>
+          </p:nvPr>
+        </p:nvGraphicFramePr>
+        <p:xfrm>
+          <a:off x="240925" y="3201456"/>
+          <a:ext cx="8520600" cy="1728117"/>
+        </p:xfrm>
+        <a:graphic>
+          <a:graphicData uri="http://schemas.openxmlformats.org/drawingml/2006/table">
+            <a:tbl>
+              <a:tblPr>
+                <a:noFill/>
+                <a:tableStyleId>{E1099E06-0E6B-448D-9D27-60429F06E6F4}</a:tableStyleId>
+              </a:tblPr>
+              <a:tblGrid>
+                <a:gridCol w="4260300">
+                  <a:extLst>
+                    <a:ext uri="{9D8B030D-6E8A-4147-A177-3AD203B41FA5}">
+                      <a16:colId xmlns:a16="http://schemas.microsoft.com/office/drawing/2014/main" val="20000"/>
+                    </a:ext>
+                  </a:extLst>
+                </a:gridCol>
+                <a:gridCol w="4260300">
+                  <a:extLst>
+                    <a:ext uri="{9D8B030D-6E8A-4147-A177-3AD203B41FA5}">
+                      <a16:colId xmlns:a16="http://schemas.microsoft.com/office/drawing/2014/main" val="20001"/>
+                    </a:ext>
+                  </a:extLst>
+                </a:gridCol>
+              </a:tblGrid>
+              <a:tr h="301964">
+                <a:tc>
+                  <a:txBody>
+                    <a:bodyPr/>
+                    <a:lstStyle/>
+                    <a:p>
+                      <a:pPr marL="0" lvl="0" indent="0" algn="l" rtl="0">
+                        <a:spcBef>
+                          <a:spcPts val="0"/>
+                        </a:spcBef>
+                        <a:spcAft>
+                          <a:spcPts val="0"/>
+                        </a:spcAft>
+                        <a:buNone/>
+                      </a:pPr>
+                      <a:r>
+                        <a:rPr lang="en" sz="1800" b="1" dirty="0"/>
+                        <a:t>Test Case</a:t>
+                      </a:r>
+                      <a:endParaRPr sz="1800" b="1" dirty="0"/>
+                    </a:p>
+                  </a:txBody>
+                  <a:tcPr marL="91425" marR="91425" marT="91425" marB="91425">
+                    <a:solidFill>
+                      <a:srgbClr val="CCCCCC"/>
+                    </a:solidFill>
+                  </a:tcPr>
+                </a:tc>
+                <a:tc>
+                  <a:txBody>
+                    <a:bodyPr/>
+                    <a:lstStyle/>
+                    <a:p>
+                      <a:pPr marL="0" lvl="0" indent="0" algn="l" rtl="0">
+                        <a:spcBef>
+                          <a:spcPts val="0"/>
+                        </a:spcBef>
+                        <a:spcAft>
+                          <a:spcPts val="0"/>
+                        </a:spcAft>
+                        <a:buNone/>
+                      </a:pPr>
+                      <a:r>
+                        <a:rPr lang="en" sz="1800" b="1" dirty="0"/>
+                        <a:t>Expected Values</a:t>
+                      </a:r>
+                      <a:endParaRPr sz="1800" b="1" dirty="0"/>
+                    </a:p>
+                  </a:txBody>
+                  <a:tcPr marL="91425" marR="91425" marT="91425" marB="91425">
+                    <a:solidFill>
+                      <a:srgbClr val="CCCCCC"/>
+                    </a:solidFill>
+                  </a:tcPr>
+                </a:tc>
+                <a:extLst>
+                  <a:ext uri="{0D108BD9-81ED-4DB2-BD59-A6C34878D82A}">
+                    <a16:rowId xmlns:a16="http://schemas.microsoft.com/office/drawing/2014/main" val="10000"/>
+                  </a:ext>
+                </a:extLst>
+              </a:tr>
+              <a:tr h="1270947">
+                <a:tc>
+                  <a:txBody>
+                    <a:bodyPr/>
+                    <a:lstStyle/>
+                    <a:p>
+                      <a:pPr marL="0" lvl="0" indent="0" algn="l" rtl="0">
+                        <a:spcBef>
+                          <a:spcPts val="0"/>
+                        </a:spcBef>
+                        <a:spcAft>
+                          <a:spcPts val="0"/>
+                        </a:spcAft>
+                        <a:buNone/>
+                      </a:pPr>
+                      <a:r>
+                        <a:rPr lang="en-NZ" sz="1800" dirty="0"/>
+                        <a:t>Run Program</a:t>
+                      </a:r>
+                      <a:endParaRPr sz="1800" dirty="0"/>
+                    </a:p>
+                  </a:txBody>
+                  <a:tcPr marL="91425" marR="91425" marT="91425" marB="91425"/>
+                </a:tc>
+                <a:tc>
+                  <a:txBody>
+                    <a:bodyPr/>
+                    <a:lstStyle/>
+                    <a:p>
+                      <a:pPr marL="0" lvl="0" indent="0" algn="l" rtl="0">
+                        <a:spcBef>
+                          <a:spcPts val="0"/>
+                        </a:spcBef>
+                        <a:spcAft>
+                          <a:spcPts val="0"/>
+                        </a:spcAft>
+                        <a:buNone/>
+                      </a:pPr>
+                      <a:r>
+                        <a:rPr lang="en-NZ" sz="1800" dirty="0"/>
+                        <a:t>Enter p: Program prints pickup</a:t>
+                      </a:r>
+                    </a:p>
+                    <a:p>
+                      <a:pPr marL="0" lvl="0" indent="0" algn="l" rtl="0">
+                        <a:spcBef>
+                          <a:spcPts val="0"/>
+                        </a:spcBef>
+                        <a:spcAft>
+                          <a:spcPts val="0"/>
+                        </a:spcAft>
+                        <a:buNone/>
+                      </a:pPr>
+                      <a:r>
+                        <a:rPr lang="en-NZ" sz="1800" dirty="0"/>
+                        <a:t>Enter d: Program prints delivery</a:t>
+                      </a:r>
+                    </a:p>
+                    <a:p>
+                      <a:pPr marL="0" lvl="0" indent="0" algn="l" rtl="0">
+                        <a:spcBef>
+                          <a:spcPts val="0"/>
+                        </a:spcBef>
+                        <a:spcAft>
+                          <a:spcPts val="0"/>
+                        </a:spcAft>
+                        <a:buNone/>
+                      </a:pPr>
+                      <a:r>
+                        <a:rPr lang="en-NZ" sz="1800" dirty="0"/>
+                        <a:t>Enter invalid: Program stops</a:t>
+                      </a:r>
+                    </a:p>
+                  </a:txBody>
+                  <a:tcPr marL="91425" marR="91425" marT="91425" marB="91425"/>
+                </a:tc>
+                <a:extLst>
+                  <a:ext uri="{0D108BD9-81ED-4DB2-BD59-A6C34878D82A}">
+                    <a16:rowId xmlns:a16="http://schemas.microsoft.com/office/drawing/2014/main" val="10001"/>
+                  </a:ext>
+                </a:extLst>
+              </a:tr>
+            </a:tbl>
+          </a:graphicData>
+        </a:graphic>
+      </p:graphicFrame>
+      <p:pic>
+        <p:nvPicPr>
+          <p:cNvPr id="11" name="Picture 10">
+            <a:extLst>
+              <a:ext uri="{FF2B5EF4-FFF2-40B4-BE49-F238E27FC236}">
+                <a16:creationId xmlns:a16="http://schemas.microsoft.com/office/drawing/2014/main" id="{ECBA545F-8D5D-426F-98A5-188D1516EEB8}"/>
+              </a:ext>
+            </a:extLst>
+          </p:cNvPr>
+          <p:cNvPicPr>
+            <a:picLocks noChangeAspect="1"/>
+          </p:cNvPicPr>
+          <p:nvPr/>
+        </p:nvPicPr>
+        <p:blipFill>
+          <a:blip r:embed="rId3"/>
+          <a:stretch>
+            <a:fillRect/>
+          </a:stretch>
+        </p:blipFill>
+        <p:spPr>
+          <a:xfrm>
+            <a:off x="149901" y="1021146"/>
+            <a:ext cx="5623953" cy="2047213"/>
+          </a:xfrm>
+          <a:prstGeom prst="rect">
+            <a:avLst/>
+          </a:prstGeom>
+        </p:spPr>
+      </p:pic>
+      <p:pic>
+        <p:nvPicPr>
+          <p:cNvPr id="9" name="Picture 8">
+            <a:extLst>
+              <a:ext uri="{FF2B5EF4-FFF2-40B4-BE49-F238E27FC236}">
+                <a16:creationId xmlns:a16="http://schemas.microsoft.com/office/drawing/2014/main" id="{99CA2BEF-FBD5-44EF-8178-F24103B913B7}"/>
+              </a:ext>
+            </a:extLst>
+          </p:cNvPr>
+          <p:cNvPicPr>
+            <a:picLocks noChangeAspect="1"/>
+          </p:cNvPicPr>
+          <p:nvPr/>
+        </p:nvPicPr>
+        <p:blipFill>
+          <a:blip r:embed="rId4"/>
+          <a:stretch>
+            <a:fillRect/>
+          </a:stretch>
+        </p:blipFill>
+        <p:spPr>
+          <a:xfrm>
+            <a:off x="4047343" y="1755156"/>
+            <a:ext cx="4946756" cy="1313203"/>
+          </a:xfrm>
+          <a:prstGeom prst="rect">
+            <a:avLst/>
+          </a:prstGeom>
+        </p:spPr>
+      </p:pic>
     </p:spTree>
+    <p:extLst>
+      <p:ext uri="{BB962C8B-B14F-4D97-AF65-F5344CB8AC3E}">
+        <p14:creationId xmlns:p14="http://schemas.microsoft.com/office/powerpoint/2010/main" val="1256921869"/>
+      </p:ext>
+    </p:extLst>
+  </p:cSld>
+  <p:clrMapOvr>
+    <a:masterClrMapping/>
+  </p:clrMapOvr>
+</p:sld>
+</file>
+
+<file path=ppt/slides/slide9.xml><?xml version="1.0" encoding="utf-8"?>
+<p:sld xmlns:a="http://schemas.openxmlformats.org/drawingml/2006/main" xmlns:r="http://schemas.openxmlformats.org/officeDocument/2006/relationships" xmlns:p="http://schemas.openxmlformats.org/presentationml/2006/main">
+  <p:cSld>
+    <p:spTree>
+      <p:nvGrpSpPr>
+        <p:cNvPr id="1" name="Shape 77"/>
+        <p:cNvGrpSpPr/>
+        <p:nvPr/>
+      </p:nvGrpSpPr>
+      <p:grpSpPr>
+        <a:xfrm>
+          <a:off x="0" y="0"/>
+          <a:ext cx="0" cy="0"/>
+          <a:chOff x="0" y="0"/>
+          <a:chExt cx="0" cy="0"/>
+        </a:xfrm>
+      </p:grpSpPr>
+      <p:sp>
+        <p:nvSpPr>
+          <p:cNvPr id="78" name="Google Shape;78;p17"/>
+          <p:cNvSpPr txBox="1">
+            <a:spLocks noGrp="1"/>
+          </p:cNvSpPr>
+          <p:nvPr>
+            <p:ph type="title"/>
+          </p:nvPr>
+        </p:nvSpPr>
+        <p:spPr>
+          <a:xfrm>
+            <a:off x="311700" y="445025"/>
+            <a:ext cx="8520600" cy="572700"/>
+          </a:xfrm>
+          <a:prstGeom prst="rect">
+            <a:avLst/>
+          </a:prstGeom>
+        </p:spPr>
+        <p:txBody>
+          <a:bodyPr spcFirstLastPara="1" wrap="square" lIns="91425" tIns="91425" rIns="91425" bIns="91425" anchor="t" anchorCtr="0">
+            <a:noAutofit/>
+          </a:bodyPr>
+          <a:lstStyle/>
+          <a:p>
+            <a:pPr marL="0" lvl="0" indent="0" algn="l" rtl="0">
+              <a:spcBef>
+                <a:spcPts val="0"/>
+              </a:spcBef>
+              <a:spcAft>
+                <a:spcPts val="0"/>
+              </a:spcAft>
+              <a:buNone/>
+            </a:pPr>
+            <a:r>
+              <a:rPr lang="en" dirty="0"/>
+              <a:t>Component 2 Version 2 - Test Plan (and screenshot)</a:t>
+            </a:r>
+            <a:endParaRPr dirty="0"/>
+          </a:p>
+        </p:txBody>
+      </p:sp>
+      <p:graphicFrame>
+        <p:nvGraphicFramePr>
+          <p:cNvPr id="79" name="Google Shape;79;p17"/>
+          <p:cNvGraphicFramePr/>
+          <p:nvPr>
+            <p:extLst>
+              <p:ext uri="{D42A27DB-BD31-4B8C-83A1-F6EECF244321}">
+                <p14:modId xmlns:p14="http://schemas.microsoft.com/office/powerpoint/2010/main" val="958145362"/>
+              </p:ext>
+            </p:extLst>
+          </p:nvPr>
+        </p:nvGraphicFramePr>
+        <p:xfrm>
+          <a:off x="240925" y="3201456"/>
+          <a:ext cx="8520600" cy="1728117"/>
+        </p:xfrm>
+        <a:graphic>
+          <a:graphicData uri="http://schemas.openxmlformats.org/drawingml/2006/table">
+            <a:tbl>
+              <a:tblPr>
+                <a:noFill/>
+                <a:tableStyleId>{E1099E06-0E6B-448D-9D27-60429F06E6F4}</a:tableStyleId>
+              </a:tblPr>
+              <a:tblGrid>
+                <a:gridCol w="4260300">
+                  <a:extLst>
+                    <a:ext uri="{9D8B030D-6E8A-4147-A177-3AD203B41FA5}">
+                      <a16:colId xmlns:a16="http://schemas.microsoft.com/office/drawing/2014/main" val="20000"/>
+                    </a:ext>
+                  </a:extLst>
+                </a:gridCol>
+                <a:gridCol w="4260300">
+                  <a:extLst>
+                    <a:ext uri="{9D8B030D-6E8A-4147-A177-3AD203B41FA5}">
+                      <a16:colId xmlns:a16="http://schemas.microsoft.com/office/drawing/2014/main" val="20001"/>
+                    </a:ext>
+                  </a:extLst>
+                </a:gridCol>
+              </a:tblGrid>
+              <a:tr h="301964">
+                <a:tc>
+                  <a:txBody>
+                    <a:bodyPr/>
+                    <a:lstStyle/>
+                    <a:p>
+                      <a:pPr marL="0" lvl="0" indent="0" algn="l" rtl="0">
+                        <a:spcBef>
+                          <a:spcPts val="0"/>
+                        </a:spcBef>
+                        <a:spcAft>
+                          <a:spcPts val="0"/>
+                        </a:spcAft>
+                        <a:buNone/>
+                      </a:pPr>
+                      <a:r>
+                        <a:rPr lang="en" sz="1800" b="1" dirty="0"/>
+                        <a:t>Test Case</a:t>
+                      </a:r>
+                      <a:endParaRPr sz="1800" b="1" dirty="0"/>
+                    </a:p>
+                  </a:txBody>
+                  <a:tcPr marL="91425" marR="91425" marT="91425" marB="91425">
+                    <a:solidFill>
+                      <a:srgbClr val="CCCCCC"/>
+                    </a:solidFill>
+                  </a:tcPr>
+                </a:tc>
+                <a:tc>
+                  <a:txBody>
+                    <a:bodyPr/>
+                    <a:lstStyle/>
+                    <a:p>
+                      <a:pPr marL="0" lvl="0" indent="0" algn="l" rtl="0">
+                        <a:spcBef>
+                          <a:spcPts val="0"/>
+                        </a:spcBef>
+                        <a:spcAft>
+                          <a:spcPts val="0"/>
+                        </a:spcAft>
+                        <a:buNone/>
+                      </a:pPr>
+                      <a:r>
+                        <a:rPr lang="en" sz="1800" b="1" dirty="0"/>
+                        <a:t>Expected Values</a:t>
+                      </a:r>
+                      <a:endParaRPr sz="1800" b="1" dirty="0"/>
+                    </a:p>
+                  </a:txBody>
+                  <a:tcPr marL="91425" marR="91425" marT="91425" marB="91425">
+                    <a:solidFill>
+                      <a:srgbClr val="CCCCCC"/>
+                    </a:solidFill>
+                  </a:tcPr>
+                </a:tc>
+                <a:extLst>
+                  <a:ext uri="{0D108BD9-81ED-4DB2-BD59-A6C34878D82A}">
+                    <a16:rowId xmlns:a16="http://schemas.microsoft.com/office/drawing/2014/main" val="10000"/>
+                  </a:ext>
+                </a:extLst>
+              </a:tr>
+              <a:tr h="1270947">
+                <a:tc>
+                  <a:txBody>
+                    <a:bodyPr/>
+                    <a:lstStyle/>
+                    <a:p>
+                      <a:pPr marL="0" lvl="0" indent="0" algn="l" rtl="0">
+                        <a:spcBef>
+                          <a:spcPts val="0"/>
+                        </a:spcBef>
+                        <a:spcAft>
+                          <a:spcPts val="0"/>
+                        </a:spcAft>
+                        <a:buNone/>
+                      </a:pPr>
+                      <a:r>
+                        <a:rPr lang="en-NZ" sz="1800" dirty="0"/>
+                        <a:t>Run Program</a:t>
+                      </a:r>
+                      <a:endParaRPr sz="1800" dirty="0"/>
+                    </a:p>
+                  </a:txBody>
+                  <a:tcPr marL="91425" marR="91425" marT="91425" marB="91425"/>
+                </a:tc>
+                <a:tc>
+                  <a:txBody>
+                    <a:bodyPr/>
+                    <a:lstStyle/>
+                    <a:p>
+                      <a:pPr marL="0" lvl="0" indent="0" algn="l" rtl="0">
+                        <a:spcBef>
+                          <a:spcPts val="0"/>
+                        </a:spcBef>
+                        <a:spcAft>
+                          <a:spcPts val="0"/>
+                        </a:spcAft>
+                        <a:buNone/>
+                      </a:pPr>
+                      <a:r>
+                        <a:rPr lang="en-NZ" sz="1800" dirty="0"/>
+                        <a:t>Enter p: Program prints pickup</a:t>
+                      </a:r>
+                    </a:p>
+                    <a:p>
+                      <a:pPr marL="0" lvl="0" indent="0" algn="l" rtl="0">
+                        <a:spcBef>
+                          <a:spcPts val="0"/>
+                        </a:spcBef>
+                        <a:spcAft>
+                          <a:spcPts val="0"/>
+                        </a:spcAft>
+                        <a:buNone/>
+                      </a:pPr>
+                      <a:r>
+                        <a:rPr lang="en-NZ" sz="1800" dirty="0"/>
+                        <a:t>Enter d: Program prints delivery</a:t>
+                      </a:r>
+                    </a:p>
+                    <a:p>
+                      <a:pPr marL="0" lvl="0" indent="0" algn="l" rtl="0">
+                        <a:spcBef>
+                          <a:spcPts val="0"/>
+                        </a:spcBef>
+                        <a:spcAft>
+                          <a:spcPts val="0"/>
+                        </a:spcAft>
+                        <a:buNone/>
+                      </a:pPr>
+                      <a:r>
+                        <a:rPr lang="en-NZ" sz="1800" dirty="0"/>
+                        <a:t>Enter invalid: Prints error message</a:t>
+                      </a:r>
+                    </a:p>
+                  </a:txBody>
+                  <a:tcPr marL="91425" marR="91425" marT="91425" marB="91425"/>
+                </a:tc>
+                <a:extLst>
+                  <a:ext uri="{0D108BD9-81ED-4DB2-BD59-A6C34878D82A}">
+                    <a16:rowId xmlns:a16="http://schemas.microsoft.com/office/drawing/2014/main" val="10001"/>
+                  </a:ext>
+                </a:extLst>
+              </a:tr>
+            </a:tbl>
+          </a:graphicData>
+        </a:graphic>
+      </p:graphicFrame>
+      <p:pic>
+        <p:nvPicPr>
+          <p:cNvPr id="3" name="Picture 2">
+            <a:extLst>
+              <a:ext uri="{FF2B5EF4-FFF2-40B4-BE49-F238E27FC236}">
+                <a16:creationId xmlns:a16="http://schemas.microsoft.com/office/drawing/2014/main" id="{78F91F5B-02F7-41BE-BA58-768BC3408E30}"/>
+              </a:ext>
+            </a:extLst>
+          </p:cNvPr>
+          <p:cNvPicPr>
+            <a:picLocks noChangeAspect="1"/>
+          </p:cNvPicPr>
+          <p:nvPr/>
+        </p:nvPicPr>
+        <p:blipFill>
+          <a:blip r:embed="rId3"/>
+          <a:stretch>
+            <a:fillRect/>
+          </a:stretch>
+        </p:blipFill>
+        <p:spPr>
+          <a:xfrm>
+            <a:off x="97436" y="1017725"/>
+            <a:ext cx="4257207" cy="2146167"/>
+          </a:xfrm>
+          <a:prstGeom prst="rect">
+            <a:avLst/>
+          </a:prstGeom>
+        </p:spPr>
+      </p:pic>
+      <p:pic>
+        <p:nvPicPr>
+          <p:cNvPr id="5" name="Picture 4">
+            <a:extLst>
+              <a:ext uri="{FF2B5EF4-FFF2-40B4-BE49-F238E27FC236}">
+                <a16:creationId xmlns:a16="http://schemas.microsoft.com/office/drawing/2014/main" id="{A2F3401E-156F-49E7-95B5-4587619AA5EA}"/>
+              </a:ext>
+            </a:extLst>
+          </p:cNvPr>
+          <p:cNvPicPr>
+            <a:picLocks noChangeAspect="1"/>
+          </p:cNvPicPr>
+          <p:nvPr/>
+        </p:nvPicPr>
+        <p:blipFill>
+          <a:blip r:embed="rId4"/>
+          <a:stretch>
+            <a:fillRect/>
+          </a:stretch>
+        </p:blipFill>
+        <p:spPr>
+          <a:xfrm>
+            <a:off x="4030314" y="1130878"/>
+            <a:ext cx="4918814" cy="2033014"/>
+          </a:xfrm>
+          <a:prstGeom prst="rect">
+            <a:avLst/>
+          </a:prstGeom>
+        </p:spPr>
+      </p:pic>
+    </p:spTree>
+    <p:extLst>
+      <p:ext uri="{BB962C8B-B14F-4D97-AF65-F5344CB8AC3E}">
+        <p14:creationId xmlns:p14="http://schemas.microsoft.com/office/powerpoint/2010/main" val="2058140406"/>
+      </p:ext>
+    </p:extLst>
   </p:cSld>
   <p:clrMapOvr>
     <a:masterClrMapping/>

--- a/022_91893+_+91897+Documentation.pptx
+++ b/022_91893+_+91897+Documentation.pptx
@@ -5,7 +5,7 @@
     <p:sldMasterId id="2147483659" r:id="rId1"/>
   </p:sldMasterIdLst>
   <p:notesMasterIdLst>
-    <p:notesMasterId r:id="rId16"/>
+    <p:notesMasterId r:id="rId18"/>
   </p:notesMasterIdLst>
   <p:sldIdLst>
     <p:sldId id="256" r:id="rId2"/>
@@ -15,13 +15,15 @@
     <p:sldId id="260" r:id="rId6"/>
     <p:sldId id="263" r:id="rId7"/>
     <p:sldId id="264" r:id="rId8"/>
-    <p:sldId id="265" r:id="rId9"/>
-    <p:sldId id="266" r:id="rId10"/>
-    <p:sldId id="267" r:id="rId11"/>
-    <p:sldId id="268" r:id="rId12"/>
-    <p:sldId id="269" r:id="rId13"/>
-    <p:sldId id="261" r:id="rId14"/>
-    <p:sldId id="262" r:id="rId15"/>
+    <p:sldId id="270" r:id="rId9"/>
+    <p:sldId id="265" r:id="rId10"/>
+    <p:sldId id="266" r:id="rId11"/>
+    <p:sldId id="267" r:id="rId12"/>
+    <p:sldId id="268" r:id="rId13"/>
+    <p:sldId id="269" r:id="rId14"/>
+    <p:sldId id="271" r:id="rId15"/>
+    <p:sldId id="261" r:id="rId16"/>
+    <p:sldId id="262" r:id="rId17"/>
   </p:sldIdLst>
   <p:sldSz cx="9144000" cy="5143500" type="screen16x9"/>
   <p:notesSz cx="6858000" cy="9144000"/>
@@ -1093,6 +1095,115 @@
   <p:cSld>
     <p:spTree>
       <p:nvGrpSpPr>
+        <p:cNvPr id="1" name="Shape 74"/>
+        <p:cNvGrpSpPr/>
+        <p:nvPr/>
+      </p:nvGrpSpPr>
+      <p:grpSpPr>
+        <a:xfrm>
+          <a:off x="0" y="0"/>
+          <a:ext cx="0" cy="0"/>
+          <a:chOff x="0" y="0"/>
+          <a:chExt cx="0" cy="0"/>
+        </a:xfrm>
+      </p:grpSpPr>
+      <p:sp>
+        <p:nvSpPr>
+          <p:cNvPr id="75" name="Google Shape;75;gac10fef634_0_20:notes"/>
+          <p:cNvSpPr>
+            <a:spLocks noGrp="1" noRot="1" noChangeAspect="1"/>
+          </p:cNvSpPr>
+          <p:nvPr>
+            <p:ph type="sldImg" idx="2"/>
+          </p:nvPr>
+        </p:nvSpPr>
+        <p:spPr>
+          <a:xfrm>
+            <a:off x="381000" y="685800"/>
+            <a:ext cx="6096000" cy="3429000"/>
+          </a:xfrm>
+          <a:custGeom>
+            <a:avLst/>
+            <a:gdLst/>
+            <a:ahLst/>
+            <a:cxnLst/>
+            <a:rect l="l" t="t" r="r" b="b"/>
+            <a:pathLst>
+              <a:path w="120000" h="120000" extrusionOk="0">
+                <a:moveTo>
+                  <a:pt x="0" y="0"/>
+                </a:moveTo>
+                <a:lnTo>
+                  <a:pt x="120000" y="0"/>
+                </a:lnTo>
+                <a:lnTo>
+                  <a:pt x="120000" y="120000"/>
+                </a:lnTo>
+                <a:lnTo>
+                  <a:pt x="0" y="120000"/>
+                </a:lnTo>
+                <a:close/>
+              </a:path>
+            </a:pathLst>
+          </a:custGeom>
+        </p:spPr>
+      </p:sp>
+      <p:sp>
+        <p:nvSpPr>
+          <p:cNvPr id="76" name="Google Shape;76;gac10fef634_0_20:notes"/>
+          <p:cNvSpPr txBox="1">
+            <a:spLocks noGrp="1"/>
+          </p:cNvSpPr>
+          <p:nvPr>
+            <p:ph type="body" idx="1"/>
+          </p:nvPr>
+        </p:nvSpPr>
+        <p:spPr>
+          <a:xfrm>
+            <a:off x="685800" y="4343400"/>
+            <a:ext cx="5486400" cy="4114800"/>
+          </a:xfrm>
+          <a:prstGeom prst="rect">
+            <a:avLst/>
+          </a:prstGeom>
+        </p:spPr>
+        <p:txBody>
+          <a:bodyPr spcFirstLastPara="1" wrap="square" lIns="91425" tIns="91425" rIns="91425" bIns="91425" anchor="t" anchorCtr="0">
+            <a:noAutofit/>
+          </a:bodyPr>
+          <a:lstStyle/>
+          <a:p>
+            <a:pPr marL="0" lvl="0" indent="0" algn="l" rtl="0">
+              <a:spcBef>
+                <a:spcPts val="0"/>
+              </a:spcBef>
+              <a:spcAft>
+                <a:spcPts val="0"/>
+              </a:spcAft>
+              <a:buNone/>
+            </a:pPr>
+            <a:endParaRPr/>
+          </a:p>
+        </p:txBody>
+      </p:sp>
+    </p:spTree>
+    <p:extLst>
+      <p:ext uri="{BB962C8B-B14F-4D97-AF65-F5344CB8AC3E}">
+        <p14:creationId xmlns:p14="http://schemas.microsoft.com/office/powerpoint/2010/main" val="2838422491"/>
+      </p:ext>
+    </p:extLst>
+  </p:cSld>
+  <p:clrMapOvr>
+    <a:masterClrMapping/>
+  </p:clrMapOvr>
+</p:notes>
+</file>
+
+<file path=ppt/notesSlides/notesSlide13.xml><?xml version="1.0" encoding="utf-8"?>
+<p:notes xmlns:a="http://schemas.openxmlformats.org/drawingml/2006/main" xmlns:r="http://schemas.openxmlformats.org/officeDocument/2006/relationships" xmlns:p="http://schemas.openxmlformats.org/presentationml/2006/main" showMasterSp="0" showMasterPhAnim="0">
+  <p:cSld>
+    <p:spTree>
+      <p:nvGrpSpPr>
         <p:cNvPr id="1" name="Shape 80"/>
         <p:cNvGrpSpPr/>
         <p:nvPr/>
@@ -1213,7 +1324,7 @@
 </p:notes>
 </file>
 
-<file path=ppt/notesSlides/notesSlide13.xml><?xml version="1.0" encoding="utf-8"?>
+<file path=ppt/notesSlides/notesSlide14.xml><?xml version="1.0" encoding="utf-8"?>
 <p:notes xmlns:a="http://schemas.openxmlformats.org/drawingml/2006/main" xmlns:r="http://schemas.openxmlformats.org/officeDocument/2006/relationships" xmlns:p="http://schemas.openxmlformats.org/presentationml/2006/main" showMasterSp="0" showMasterPhAnim="0">
   <p:cSld>
     <p:spTree>
@@ -7280,6 +7391,324 @@
             </a:pPr>
             <a:r>
               <a:rPr lang="en" dirty="0"/>
+              <a:t>Component 2 Version 2 - Test Plan (and screenshot)</a:t>
+            </a:r>
+            <a:endParaRPr dirty="0"/>
+          </a:p>
+        </p:txBody>
+      </p:sp>
+      <p:graphicFrame>
+        <p:nvGraphicFramePr>
+          <p:cNvPr id="79" name="Google Shape;79;p17"/>
+          <p:cNvGraphicFramePr/>
+          <p:nvPr>
+            <p:extLst>
+              <p:ext uri="{D42A27DB-BD31-4B8C-83A1-F6EECF244321}">
+                <p14:modId xmlns:p14="http://schemas.microsoft.com/office/powerpoint/2010/main" val="958145362"/>
+              </p:ext>
+            </p:extLst>
+          </p:nvPr>
+        </p:nvGraphicFramePr>
+        <p:xfrm>
+          <a:off x="240925" y="3201456"/>
+          <a:ext cx="8520600" cy="1728117"/>
+        </p:xfrm>
+        <a:graphic>
+          <a:graphicData uri="http://schemas.openxmlformats.org/drawingml/2006/table">
+            <a:tbl>
+              <a:tblPr>
+                <a:noFill/>
+                <a:tableStyleId>{E1099E06-0E6B-448D-9D27-60429F06E6F4}</a:tableStyleId>
+              </a:tblPr>
+              <a:tblGrid>
+                <a:gridCol w="4260300">
+                  <a:extLst>
+                    <a:ext uri="{9D8B030D-6E8A-4147-A177-3AD203B41FA5}">
+                      <a16:colId xmlns:a16="http://schemas.microsoft.com/office/drawing/2014/main" val="20000"/>
+                    </a:ext>
+                  </a:extLst>
+                </a:gridCol>
+                <a:gridCol w="4260300">
+                  <a:extLst>
+                    <a:ext uri="{9D8B030D-6E8A-4147-A177-3AD203B41FA5}">
+                      <a16:colId xmlns:a16="http://schemas.microsoft.com/office/drawing/2014/main" val="20001"/>
+                    </a:ext>
+                  </a:extLst>
+                </a:gridCol>
+              </a:tblGrid>
+              <a:tr h="301964">
+                <a:tc>
+                  <a:txBody>
+                    <a:bodyPr/>
+                    <a:lstStyle/>
+                    <a:p>
+                      <a:pPr marL="0" lvl="0" indent="0" algn="l" rtl="0">
+                        <a:spcBef>
+                          <a:spcPts val="0"/>
+                        </a:spcBef>
+                        <a:spcAft>
+                          <a:spcPts val="0"/>
+                        </a:spcAft>
+                        <a:buNone/>
+                      </a:pPr>
+                      <a:r>
+                        <a:rPr lang="en" sz="1800" b="1" dirty="0"/>
+                        <a:t>Test Case</a:t>
+                      </a:r>
+                      <a:endParaRPr sz="1800" b="1" dirty="0"/>
+                    </a:p>
+                  </a:txBody>
+                  <a:tcPr marL="91425" marR="91425" marT="91425" marB="91425">
+                    <a:solidFill>
+                      <a:srgbClr val="CCCCCC"/>
+                    </a:solidFill>
+                  </a:tcPr>
+                </a:tc>
+                <a:tc>
+                  <a:txBody>
+                    <a:bodyPr/>
+                    <a:lstStyle/>
+                    <a:p>
+                      <a:pPr marL="0" lvl="0" indent="0" algn="l" rtl="0">
+                        <a:spcBef>
+                          <a:spcPts val="0"/>
+                        </a:spcBef>
+                        <a:spcAft>
+                          <a:spcPts val="0"/>
+                        </a:spcAft>
+                        <a:buNone/>
+                      </a:pPr>
+                      <a:r>
+                        <a:rPr lang="en" sz="1800" b="1" dirty="0"/>
+                        <a:t>Expected Values</a:t>
+                      </a:r>
+                      <a:endParaRPr sz="1800" b="1" dirty="0"/>
+                    </a:p>
+                  </a:txBody>
+                  <a:tcPr marL="91425" marR="91425" marT="91425" marB="91425">
+                    <a:solidFill>
+                      <a:srgbClr val="CCCCCC"/>
+                    </a:solidFill>
+                  </a:tcPr>
+                </a:tc>
+                <a:extLst>
+                  <a:ext uri="{0D108BD9-81ED-4DB2-BD59-A6C34878D82A}">
+                    <a16:rowId xmlns:a16="http://schemas.microsoft.com/office/drawing/2014/main" val="10000"/>
+                  </a:ext>
+                </a:extLst>
+              </a:tr>
+              <a:tr h="1270947">
+                <a:tc>
+                  <a:txBody>
+                    <a:bodyPr/>
+                    <a:lstStyle/>
+                    <a:p>
+                      <a:pPr marL="0" lvl="0" indent="0" algn="l" rtl="0">
+                        <a:spcBef>
+                          <a:spcPts val="0"/>
+                        </a:spcBef>
+                        <a:spcAft>
+                          <a:spcPts val="0"/>
+                        </a:spcAft>
+                        <a:buNone/>
+                      </a:pPr>
+                      <a:r>
+                        <a:rPr lang="en-NZ" sz="1800" dirty="0"/>
+                        <a:t>Run Program</a:t>
+                      </a:r>
+                      <a:endParaRPr sz="1800" dirty="0"/>
+                    </a:p>
+                  </a:txBody>
+                  <a:tcPr marL="91425" marR="91425" marT="91425" marB="91425"/>
+                </a:tc>
+                <a:tc>
+                  <a:txBody>
+                    <a:bodyPr/>
+                    <a:lstStyle/>
+                    <a:p>
+                      <a:pPr marL="0" lvl="0" indent="0" algn="l" rtl="0">
+                        <a:spcBef>
+                          <a:spcPts val="0"/>
+                        </a:spcBef>
+                        <a:spcAft>
+                          <a:spcPts val="0"/>
+                        </a:spcAft>
+                        <a:buNone/>
+                      </a:pPr>
+                      <a:r>
+                        <a:rPr lang="en-NZ" sz="1800" dirty="0"/>
+                        <a:t>Enter p: Program prints pickup</a:t>
+                      </a:r>
+                    </a:p>
+                    <a:p>
+                      <a:pPr marL="0" lvl="0" indent="0" algn="l" rtl="0">
+                        <a:spcBef>
+                          <a:spcPts val="0"/>
+                        </a:spcBef>
+                        <a:spcAft>
+                          <a:spcPts val="0"/>
+                        </a:spcAft>
+                        <a:buNone/>
+                      </a:pPr>
+                      <a:r>
+                        <a:rPr lang="en-NZ" sz="1800" dirty="0"/>
+                        <a:t>Enter d: Program prints delivery</a:t>
+                      </a:r>
+                    </a:p>
+                    <a:p>
+                      <a:pPr marL="0" lvl="0" indent="0" algn="l" rtl="0">
+                        <a:spcBef>
+                          <a:spcPts val="0"/>
+                        </a:spcBef>
+                        <a:spcAft>
+                          <a:spcPts val="0"/>
+                        </a:spcAft>
+                        <a:buNone/>
+                      </a:pPr>
+                      <a:r>
+                        <a:rPr lang="en-NZ" sz="1800" dirty="0"/>
+                        <a:t>Enter invalid: Prints error message</a:t>
+                      </a:r>
+                    </a:p>
+                  </a:txBody>
+                  <a:tcPr marL="91425" marR="91425" marT="91425" marB="91425"/>
+                </a:tc>
+                <a:extLst>
+                  <a:ext uri="{0D108BD9-81ED-4DB2-BD59-A6C34878D82A}">
+                    <a16:rowId xmlns:a16="http://schemas.microsoft.com/office/drawing/2014/main" val="10001"/>
+                  </a:ext>
+                </a:extLst>
+              </a:tr>
+            </a:tbl>
+          </a:graphicData>
+        </a:graphic>
+      </p:graphicFrame>
+      <p:pic>
+        <p:nvPicPr>
+          <p:cNvPr id="3" name="Picture 2">
+            <a:extLst>
+              <a:ext uri="{FF2B5EF4-FFF2-40B4-BE49-F238E27FC236}">
+                <a16:creationId xmlns:a16="http://schemas.microsoft.com/office/drawing/2014/main" id="{78F91F5B-02F7-41BE-BA58-768BC3408E30}"/>
+              </a:ext>
+            </a:extLst>
+          </p:cNvPr>
+          <p:cNvPicPr>
+            <a:picLocks noChangeAspect="1"/>
+          </p:cNvPicPr>
+          <p:nvPr/>
+        </p:nvPicPr>
+        <p:blipFill>
+          <a:blip r:embed="rId3"/>
+          <a:stretch>
+            <a:fillRect/>
+          </a:stretch>
+        </p:blipFill>
+        <p:spPr>
+          <a:xfrm>
+            <a:off x="97436" y="1017725"/>
+            <a:ext cx="4257207" cy="2146167"/>
+          </a:xfrm>
+          <a:prstGeom prst="rect">
+            <a:avLst/>
+          </a:prstGeom>
+        </p:spPr>
+      </p:pic>
+      <p:pic>
+        <p:nvPicPr>
+          <p:cNvPr id="5" name="Picture 4">
+            <a:extLst>
+              <a:ext uri="{FF2B5EF4-FFF2-40B4-BE49-F238E27FC236}">
+                <a16:creationId xmlns:a16="http://schemas.microsoft.com/office/drawing/2014/main" id="{A2F3401E-156F-49E7-95B5-4587619AA5EA}"/>
+              </a:ext>
+            </a:extLst>
+          </p:cNvPr>
+          <p:cNvPicPr>
+            <a:picLocks noChangeAspect="1"/>
+          </p:cNvPicPr>
+          <p:nvPr/>
+        </p:nvPicPr>
+        <p:blipFill>
+          <a:blip r:embed="rId4"/>
+          <a:stretch>
+            <a:fillRect/>
+          </a:stretch>
+        </p:blipFill>
+        <p:spPr>
+          <a:xfrm>
+            <a:off x="4030314" y="1130878"/>
+            <a:ext cx="4918814" cy="2033014"/>
+          </a:xfrm>
+          <a:prstGeom prst="rect">
+            <a:avLst/>
+          </a:prstGeom>
+        </p:spPr>
+      </p:pic>
+    </p:spTree>
+    <p:extLst>
+      <p:ext uri="{BB962C8B-B14F-4D97-AF65-F5344CB8AC3E}">
+        <p14:creationId xmlns:p14="http://schemas.microsoft.com/office/powerpoint/2010/main" val="2058140406"/>
+      </p:ext>
+    </p:extLst>
+  </p:cSld>
+  <p:clrMapOvr>
+    <a:masterClrMapping/>
+  </p:clrMapOvr>
+</p:sld>
+</file>
+
+<file path=ppt/slides/slide11.xml><?xml version="1.0" encoding="utf-8"?>
+<p:sld xmlns:a="http://schemas.openxmlformats.org/drawingml/2006/main" xmlns:r="http://schemas.openxmlformats.org/officeDocument/2006/relationships" xmlns:p="http://schemas.openxmlformats.org/presentationml/2006/main">
+  <p:cSld>
+    <p:spTree>
+      <p:nvGrpSpPr>
+        <p:cNvPr id="1" name="Shape 77"/>
+        <p:cNvGrpSpPr/>
+        <p:nvPr/>
+      </p:nvGrpSpPr>
+      <p:grpSpPr>
+        <a:xfrm>
+          <a:off x="0" y="0"/>
+          <a:ext cx="0" cy="0"/>
+          <a:chOff x="0" y="0"/>
+          <a:chExt cx="0" cy="0"/>
+        </a:xfrm>
+      </p:grpSpPr>
+      <p:sp>
+        <p:nvSpPr>
+          <p:cNvPr id="78" name="Google Shape;78;p17"/>
+          <p:cNvSpPr txBox="1">
+            <a:spLocks noGrp="1"/>
+          </p:cNvSpPr>
+          <p:nvPr>
+            <p:ph type="title"/>
+          </p:nvPr>
+        </p:nvSpPr>
+        <p:spPr>
+          <a:xfrm>
+            <a:off x="311700" y="445025"/>
+            <a:ext cx="8520600" cy="572700"/>
+          </a:xfrm>
+          <a:prstGeom prst="rect">
+            <a:avLst/>
+          </a:prstGeom>
+        </p:spPr>
+        <p:txBody>
+          <a:bodyPr spcFirstLastPara="1" wrap="square" lIns="91425" tIns="91425" rIns="91425" bIns="91425" anchor="t" anchorCtr="0">
+            <a:noAutofit/>
+          </a:bodyPr>
+          <a:lstStyle/>
+          <a:p>
+            <a:pPr marL="0" lvl="0" indent="0" algn="l" rtl="0">
+              <a:spcBef>
+                <a:spcPts val="0"/>
+              </a:spcBef>
+              <a:spcAft>
+                <a:spcPts val="0"/>
+              </a:spcAft>
+              <a:buNone/>
+            </a:pPr>
+            <a:r>
+              <a:rPr lang="en" dirty="0"/>
               <a:t>Component 2 Version 3 - Test Plan (and screenshot)</a:t>
             </a:r>
             <a:endParaRPr dirty="0"/>
@@ -7545,7 +7974,7 @@
 </p:sld>
 </file>
 
-<file path=ppt/slides/slide11.xml><?xml version="1.0" encoding="utf-8"?>
+<file path=ppt/slides/slide12.xml><?xml version="1.0" encoding="utf-8"?>
 <p:sld xmlns:a="http://schemas.openxmlformats.org/drawingml/2006/main" xmlns:r="http://schemas.openxmlformats.org/officeDocument/2006/relationships" xmlns:p="http://schemas.openxmlformats.org/presentationml/2006/main">
   <p:cSld>
     <p:spTree>
@@ -7878,7 +8307,7 @@
 </p:sld>
 </file>
 
-<file path=ppt/slides/slide12.xml><?xml version="1.0" encoding="utf-8"?>
+<file path=ppt/slides/slide13.xml><?xml version="1.0" encoding="utf-8"?>
 <p:sld xmlns:a="http://schemas.openxmlformats.org/drawingml/2006/main" xmlns:r="http://schemas.openxmlformats.org/officeDocument/2006/relationships" xmlns:p="http://schemas.openxmlformats.org/presentationml/2006/main">
   <p:cSld>
     <p:spTree>
@@ -8216,7 +8645,355 @@
 </p:sld>
 </file>
 
-<file path=ppt/slides/slide13.xml><?xml version="1.0" encoding="utf-8"?>
+<file path=ppt/slides/slide14.xml><?xml version="1.0" encoding="utf-8"?>
+<p:sld xmlns:a="http://schemas.openxmlformats.org/drawingml/2006/main" xmlns:r="http://schemas.openxmlformats.org/officeDocument/2006/relationships" xmlns:p="http://schemas.openxmlformats.org/presentationml/2006/main">
+  <p:cSld>
+    <p:spTree>
+      <p:nvGrpSpPr>
+        <p:cNvPr id="1" name="Shape 77"/>
+        <p:cNvGrpSpPr/>
+        <p:nvPr/>
+      </p:nvGrpSpPr>
+      <p:grpSpPr>
+        <a:xfrm>
+          <a:off x="0" y="0"/>
+          <a:ext cx="0" cy="0"/>
+          <a:chOff x="0" y="0"/>
+          <a:chExt cx="0" cy="0"/>
+        </a:xfrm>
+      </p:grpSpPr>
+      <p:sp>
+        <p:nvSpPr>
+          <p:cNvPr id="78" name="Google Shape;78;p17"/>
+          <p:cNvSpPr txBox="1">
+            <a:spLocks noGrp="1"/>
+          </p:cNvSpPr>
+          <p:nvPr>
+            <p:ph type="title"/>
+          </p:nvPr>
+        </p:nvSpPr>
+        <p:spPr>
+          <a:xfrm>
+            <a:off x="311700" y="0"/>
+            <a:ext cx="8520600" cy="572700"/>
+          </a:xfrm>
+          <a:prstGeom prst="rect">
+            <a:avLst/>
+          </a:prstGeom>
+        </p:spPr>
+        <p:txBody>
+          <a:bodyPr spcFirstLastPara="1" wrap="square" lIns="91425" tIns="91425" rIns="91425" bIns="91425" anchor="t" anchorCtr="0">
+            <a:noAutofit/>
+          </a:bodyPr>
+          <a:lstStyle/>
+          <a:p>
+            <a:pPr marL="0" lvl="0" indent="0" algn="l" rtl="0">
+              <a:spcBef>
+                <a:spcPts val="0"/>
+              </a:spcBef>
+              <a:spcAft>
+                <a:spcPts val="0"/>
+              </a:spcAft>
+              <a:buNone/>
+            </a:pPr>
+            <a:r>
+              <a:rPr lang="en" dirty="0"/>
+              <a:t>Component 3 Version 1 - Test Plan (and screenshot)</a:t>
+            </a:r>
+            <a:endParaRPr dirty="0"/>
+          </a:p>
+        </p:txBody>
+      </p:sp>
+      <p:graphicFrame>
+        <p:nvGraphicFramePr>
+          <p:cNvPr id="79" name="Google Shape;79;p17"/>
+          <p:cNvGraphicFramePr/>
+          <p:nvPr>
+            <p:extLst>
+              <p:ext uri="{D42A27DB-BD31-4B8C-83A1-F6EECF244321}">
+                <p14:modId xmlns:p14="http://schemas.microsoft.com/office/powerpoint/2010/main" val="1782847706"/>
+              </p:ext>
+            </p:extLst>
+          </p:nvPr>
+        </p:nvGraphicFramePr>
+        <p:xfrm>
+          <a:off x="141502" y="3274233"/>
+          <a:ext cx="8520600" cy="1728117"/>
+        </p:xfrm>
+        <a:graphic>
+          <a:graphicData uri="http://schemas.openxmlformats.org/drawingml/2006/table">
+            <a:tbl>
+              <a:tblPr>
+                <a:noFill/>
+                <a:tableStyleId>{E1099E06-0E6B-448D-9D27-60429F06E6F4}</a:tableStyleId>
+              </a:tblPr>
+              <a:tblGrid>
+                <a:gridCol w="4260300">
+                  <a:extLst>
+                    <a:ext uri="{9D8B030D-6E8A-4147-A177-3AD203B41FA5}">
+                      <a16:colId xmlns:a16="http://schemas.microsoft.com/office/drawing/2014/main" val="20000"/>
+                    </a:ext>
+                  </a:extLst>
+                </a:gridCol>
+                <a:gridCol w="4260300">
+                  <a:extLst>
+                    <a:ext uri="{9D8B030D-6E8A-4147-A177-3AD203B41FA5}">
+                      <a16:colId xmlns:a16="http://schemas.microsoft.com/office/drawing/2014/main" val="20001"/>
+                    </a:ext>
+                  </a:extLst>
+                </a:gridCol>
+              </a:tblGrid>
+              <a:tr h="301964">
+                <a:tc>
+                  <a:txBody>
+                    <a:bodyPr/>
+                    <a:lstStyle/>
+                    <a:p>
+                      <a:pPr marL="0" lvl="0" indent="0" algn="l" rtl="0">
+                        <a:spcBef>
+                          <a:spcPts val="0"/>
+                        </a:spcBef>
+                        <a:spcAft>
+                          <a:spcPts val="0"/>
+                        </a:spcAft>
+                        <a:buNone/>
+                      </a:pPr>
+                      <a:r>
+                        <a:rPr lang="en" sz="1800" b="1" dirty="0"/>
+                        <a:t>Test Case</a:t>
+                      </a:r>
+                      <a:endParaRPr sz="1800" b="1" dirty="0"/>
+                    </a:p>
+                  </a:txBody>
+                  <a:tcPr marL="91425" marR="91425" marT="91425" marB="91425">
+                    <a:solidFill>
+                      <a:srgbClr val="CCCCCC"/>
+                    </a:solidFill>
+                  </a:tcPr>
+                </a:tc>
+                <a:tc>
+                  <a:txBody>
+                    <a:bodyPr/>
+                    <a:lstStyle/>
+                    <a:p>
+                      <a:pPr marL="0" lvl="0" indent="0" algn="l" rtl="0">
+                        <a:spcBef>
+                          <a:spcPts val="0"/>
+                        </a:spcBef>
+                        <a:spcAft>
+                          <a:spcPts val="0"/>
+                        </a:spcAft>
+                        <a:buNone/>
+                      </a:pPr>
+                      <a:r>
+                        <a:rPr lang="en" sz="1800" b="1" dirty="0"/>
+                        <a:t>Expected Values</a:t>
+                      </a:r>
+                      <a:endParaRPr sz="1800" b="1" dirty="0"/>
+                    </a:p>
+                  </a:txBody>
+                  <a:tcPr marL="91425" marR="91425" marT="91425" marB="91425">
+                    <a:solidFill>
+                      <a:srgbClr val="CCCCCC"/>
+                    </a:solidFill>
+                  </a:tcPr>
+                </a:tc>
+                <a:extLst>
+                  <a:ext uri="{0D108BD9-81ED-4DB2-BD59-A6C34878D82A}">
+                    <a16:rowId xmlns:a16="http://schemas.microsoft.com/office/drawing/2014/main" val="10000"/>
+                  </a:ext>
+                </a:extLst>
+              </a:tr>
+              <a:tr h="1270947">
+                <a:tc>
+                  <a:txBody>
+                    <a:bodyPr/>
+                    <a:lstStyle/>
+                    <a:p>
+                      <a:pPr marL="0" lvl="0" indent="0" algn="l" rtl="0">
+                        <a:spcBef>
+                          <a:spcPts val="0"/>
+                        </a:spcBef>
+                        <a:spcAft>
+                          <a:spcPts val="0"/>
+                        </a:spcAft>
+                        <a:buNone/>
+                      </a:pPr>
+                      <a:r>
+                        <a:rPr lang="en-NZ" sz="1800" dirty="0"/>
+                        <a:t>Input name</a:t>
+                      </a:r>
+                    </a:p>
+                    <a:p>
+                      <a:pPr marL="0" lvl="0" indent="0" algn="l" rtl="0">
+                        <a:spcBef>
+                          <a:spcPts val="0"/>
+                        </a:spcBef>
+                        <a:spcAft>
+                          <a:spcPts val="0"/>
+                        </a:spcAft>
+                        <a:buNone/>
+                      </a:pPr>
+                      <a:r>
+                        <a:rPr lang="en-NZ" sz="1800" dirty="0"/>
+                        <a:t>Input phone number</a:t>
+                      </a:r>
+                    </a:p>
+                    <a:p>
+                      <a:pPr marL="0" lvl="0" indent="0" algn="l" rtl="0">
+                        <a:spcBef>
+                          <a:spcPts val="0"/>
+                        </a:spcBef>
+                        <a:spcAft>
+                          <a:spcPts val="0"/>
+                        </a:spcAft>
+                        <a:buNone/>
+                      </a:pPr>
+                      <a:r>
+                        <a:rPr lang="en-NZ" sz="1800" dirty="0"/>
+                        <a:t>Left input blank</a:t>
+                      </a:r>
+                      <a:endParaRPr sz="1800" dirty="0"/>
+                    </a:p>
+                  </a:txBody>
+                  <a:tcPr marL="91425" marR="91425" marT="91425" marB="91425"/>
+                </a:tc>
+                <a:tc>
+                  <a:txBody>
+                    <a:bodyPr/>
+                    <a:lstStyle/>
+                    <a:p>
+                      <a:pPr marL="0" lvl="0" indent="0" algn="l" rtl="0">
+                        <a:spcBef>
+                          <a:spcPts val="0"/>
+                        </a:spcBef>
+                        <a:spcAft>
+                          <a:spcPts val="0"/>
+                        </a:spcAft>
+                        <a:buNone/>
+                      </a:pPr>
+                      <a:r>
+                        <a:rPr lang="en-NZ" sz="1800" dirty="0"/>
+                        <a:t>Printed name correctly</a:t>
+                      </a:r>
+                    </a:p>
+                    <a:p>
+                      <a:pPr marL="0" lvl="0" indent="0" algn="l" rtl="0">
+                        <a:spcBef>
+                          <a:spcPts val="0"/>
+                        </a:spcBef>
+                        <a:spcAft>
+                          <a:spcPts val="0"/>
+                        </a:spcAft>
+                        <a:buNone/>
+                      </a:pPr>
+                      <a:r>
+                        <a:rPr lang="en-NZ" sz="1800" dirty="0"/>
+                        <a:t>Printed phone number</a:t>
+                      </a:r>
+                    </a:p>
+                    <a:p>
+                      <a:pPr marL="0" lvl="0" indent="0" algn="l" rtl="0">
+                        <a:spcBef>
+                          <a:spcPts val="0"/>
+                        </a:spcBef>
+                        <a:spcAft>
+                          <a:spcPts val="0"/>
+                        </a:spcAft>
+                        <a:buNone/>
+                      </a:pPr>
+                      <a:r>
+                        <a:rPr lang="en-NZ" sz="1800" dirty="0"/>
+                        <a:t>Accepted blank and printed blank input</a:t>
+                      </a:r>
+                    </a:p>
+                  </a:txBody>
+                  <a:tcPr marL="91425" marR="91425" marT="91425" marB="91425"/>
+                </a:tc>
+                <a:extLst>
+                  <a:ext uri="{0D108BD9-81ED-4DB2-BD59-A6C34878D82A}">
+                    <a16:rowId xmlns:a16="http://schemas.microsoft.com/office/drawing/2014/main" val="10001"/>
+                  </a:ext>
+                </a:extLst>
+              </a:tr>
+            </a:tbl>
+          </a:graphicData>
+        </a:graphic>
+      </p:graphicFrame>
+      <p:pic>
+        <p:nvPicPr>
+          <p:cNvPr id="3" name="Picture 2">
+            <a:extLst>
+              <a:ext uri="{FF2B5EF4-FFF2-40B4-BE49-F238E27FC236}">
+                <a16:creationId xmlns:a16="http://schemas.microsoft.com/office/drawing/2014/main" id="{AFF2E2AA-24F5-49B4-B27C-8816962F65D8}"/>
+              </a:ext>
+            </a:extLst>
+          </p:cNvPr>
+          <p:cNvPicPr>
+            <a:picLocks noChangeAspect="1"/>
+          </p:cNvPicPr>
+          <p:nvPr/>
+        </p:nvPicPr>
+        <p:blipFill>
+          <a:blip r:embed="rId3"/>
+          <a:stretch>
+            <a:fillRect/>
+          </a:stretch>
+        </p:blipFill>
+        <p:spPr>
+          <a:xfrm>
+            <a:off x="57553" y="472189"/>
+            <a:ext cx="5002981" cy="2329855"/>
+          </a:xfrm>
+          <a:prstGeom prst="rect">
+            <a:avLst/>
+          </a:prstGeom>
+        </p:spPr>
+      </p:pic>
+      <p:pic>
+        <p:nvPicPr>
+          <p:cNvPr id="8" name="Picture 7">
+            <a:extLst>
+              <a:ext uri="{FF2B5EF4-FFF2-40B4-BE49-F238E27FC236}">
+                <a16:creationId xmlns:a16="http://schemas.microsoft.com/office/drawing/2014/main" id="{1734435A-DEE2-4A25-92BA-EDE534D6E05F}"/>
+              </a:ext>
+            </a:extLst>
+          </p:cNvPr>
+          <p:cNvPicPr>
+            <a:picLocks noChangeAspect="1"/>
+          </p:cNvPicPr>
+          <p:nvPr/>
+        </p:nvPicPr>
+        <p:blipFill>
+          <a:blip r:embed="rId4"/>
+          <a:stretch>
+            <a:fillRect/>
+          </a:stretch>
+        </p:blipFill>
+        <p:spPr>
+          <a:xfrm>
+            <a:off x="4972567" y="472189"/>
+            <a:ext cx="3947701" cy="2375733"/>
+          </a:xfrm>
+          <a:prstGeom prst="rect">
+            <a:avLst/>
+          </a:prstGeom>
+        </p:spPr>
+      </p:pic>
+    </p:spTree>
+    <p:extLst>
+      <p:ext uri="{BB962C8B-B14F-4D97-AF65-F5344CB8AC3E}">
+        <p14:creationId xmlns:p14="http://schemas.microsoft.com/office/powerpoint/2010/main" val="4115329995"/>
+      </p:ext>
+    </p:extLst>
+  </p:cSld>
+  <p:clrMapOvr>
+    <a:masterClrMapping/>
+  </p:clrMapOvr>
+</p:sld>
+</file>
+
+<file path=ppt/slides/slide15.xml><?xml version="1.0" encoding="utf-8"?>
 <p:sld xmlns:a="http://schemas.openxmlformats.org/drawingml/2006/main" xmlns:r="http://schemas.openxmlformats.org/officeDocument/2006/relationships" xmlns:p="http://schemas.openxmlformats.org/presentationml/2006/main">
   <p:cSld>
     <p:bg>
@@ -8333,7 +9110,7 @@
 </p:sld>
 </file>
 
-<file path=ppt/slides/slide14.xml><?xml version="1.0" encoding="utf-8"?>
+<file path=ppt/slides/slide16.xml><?xml version="1.0" encoding="utf-8"?>
 <p:sld xmlns:a="http://schemas.openxmlformats.org/drawingml/2006/main" xmlns:r="http://schemas.openxmlformats.org/officeDocument/2006/relationships" xmlns:p="http://schemas.openxmlformats.org/presentationml/2006/main">
   <p:cSld>
     <p:bg>
@@ -9525,8 +10302,8 @@
         </p:blipFill>
         <p:spPr>
           <a:xfrm>
-            <a:off x="682052" y="1088000"/>
-            <a:ext cx="7015397" cy="3399308"/>
+            <a:off x="97436" y="1017725"/>
+            <a:ext cx="8919148" cy="4053021"/>
           </a:xfrm>
           <a:prstGeom prst="rect">
             <a:avLst/>
@@ -9547,6 +10324,119 @@
 </file>
 
 <file path=ppt/slides/slide8.xml><?xml version="1.0" encoding="utf-8"?>
+<p:sld xmlns:a="http://schemas.openxmlformats.org/drawingml/2006/main" xmlns:r="http://schemas.openxmlformats.org/officeDocument/2006/relationships" xmlns:p="http://schemas.openxmlformats.org/presentationml/2006/main">
+  <p:cSld>
+    <p:spTree>
+      <p:nvGrpSpPr>
+        <p:cNvPr id="1" name=""/>
+        <p:cNvGrpSpPr/>
+        <p:nvPr/>
+      </p:nvGrpSpPr>
+      <p:grpSpPr>
+        <a:xfrm>
+          <a:off x="0" y="0"/>
+          <a:ext cx="0" cy="0"/>
+          <a:chOff x="0" y="0"/>
+          <a:chExt cx="0" cy="0"/>
+        </a:xfrm>
+      </p:grpSpPr>
+      <p:sp>
+        <p:nvSpPr>
+          <p:cNvPr id="2" name="Title 1">
+            <a:extLst>
+              <a:ext uri="{FF2B5EF4-FFF2-40B4-BE49-F238E27FC236}">
+                <a16:creationId xmlns:a16="http://schemas.microsoft.com/office/drawing/2014/main" id="{F5D084FA-ACE5-4724-8BA8-6EF7082ABA44}"/>
+              </a:ext>
+            </a:extLst>
+          </p:cNvPr>
+          <p:cNvSpPr>
+            <a:spLocks noGrp="1"/>
+          </p:cNvSpPr>
+          <p:nvPr>
+            <p:ph type="title"/>
+          </p:nvPr>
+        </p:nvSpPr>
+        <p:spPr/>
+        <p:txBody>
+          <a:bodyPr/>
+          <a:lstStyle/>
+          <a:p>
+            <a:r>
+              <a:rPr lang="en-NZ" sz="2400" dirty="0"/>
+              <a:t>Component 2 Version 2 (Trello Screenshot)</a:t>
+            </a:r>
+          </a:p>
+        </p:txBody>
+      </p:sp>
+      <p:sp>
+        <p:nvSpPr>
+          <p:cNvPr id="3" name="Text Placeholder 2">
+            <a:extLst>
+              <a:ext uri="{FF2B5EF4-FFF2-40B4-BE49-F238E27FC236}">
+                <a16:creationId xmlns:a16="http://schemas.microsoft.com/office/drawing/2014/main" id="{48AB168B-6D4B-46FB-9198-A3FFBA877C20}"/>
+              </a:ext>
+            </a:extLst>
+          </p:cNvPr>
+          <p:cNvSpPr>
+            <a:spLocks noGrp="1"/>
+          </p:cNvSpPr>
+          <p:nvPr>
+            <p:ph type="body" idx="1"/>
+          </p:nvPr>
+        </p:nvSpPr>
+        <p:spPr/>
+        <p:txBody>
+          <a:bodyPr/>
+          <a:lstStyle/>
+          <a:p>
+            <a:endParaRPr lang="en-NZ" dirty="0"/>
+          </a:p>
+        </p:txBody>
+      </p:sp>
+      <p:pic>
+        <p:nvPicPr>
+          <p:cNvPr id="6" name="Picture 5">
+            <a:extLst>
+              <a:ext uri="{FF2B5EF4-FFF2-40B4-BE49-F238E27FC236}">
+                <a16:creationId xmlns:a16="http://schemas.microsoft.com/office/drawing/2014/main" id="{10E0DFF4-9757-45AD-8FB0-B178897E0ED9}"/>
+              </a:ext>
+            </a:extLst>
+          </p:cNvPr>
+          <p:cNvPicPr>
+            <a:picLocks noChangeAspect="1"/>
+          </p:cNvPicPr>
+          <p:nvPr/>
+        </p:nvPicPr>
+        <p:blipFill>
+          <a:blip r:embed="rId2"/>
+          <a:stretch>
+            <a:fillRect/>
+          </a:stretch>
+        </p:blipFill>
+        <p:spPr>
+          <a:xfrm>
+            <a:off x="0" y="1017725"/>
+            <a:ext cx="9144000" cy="3490424"/>
+          </a:xfrm>
+          <a:prstGeom prst="rect">
+            <a:avLst/>
+          </a:prstGeom>
+        </p:spPr>
+      </p:pic>
+    </p:spTree>
+    <p:extLst>
+      <p:ext uri="{BB962C8B-B14F-4D97-AF65-F5344CB8AC3E}">
+        <p14:creationId xmlns:p14="http://schemas.microsoft.com/office/powerpoint/2010/main" val="1624751044"/>
+      </p:ext>
+    </p:extLst>
+  </p:cSld>
+  <p:clrMapOvr>
+    <a:masterClrMapping/>
+  </p:clrMapOvr>
+</p:sld>
+</file>
+
+<file path=ppt/slides/slide9.xml><?xml version="1.0" encoding="utf-8"?>
 <p:sld xmlns:a="http://schemas.openxmlformats.org/drawingml/2006/main" xmlns:r="http://schemas.openxmlformats.org/officeDocument/2006/relationships" xmlns:p="http://schemas.openxmlformats.org/presentationml/2006/main">
   <p:cSld>
     <p:spTree>
@@ -9855,324 +10745,6 @@
     <p:extLst>
       <p:ext uri="{BB962C8B-B14F-4D97-AF65-F5344CB8AC3E}">
         <p14:creationId xmlns:p14="http://schemas.microsoft.com/office/powerpoint/2010/main" val="1256921869"/>
-      </p:ext>
-    </p:extLst>
-  </p:cSld>
-  <p:clrMapOvr>
-    <a:masterClrMapping/>
-  </p:clrMapOvr>
-</p:sld>
-</file>
-
-<file path=ppt/slides/slide9.xml><?xml version="1.0" encoding="utf-8"?>
-<p:sld xmlns:a="http://schemas.openxmlformats.org/drawingml/2006/main" xmlns:r="http://schemas.openxmlformats.org/officeDocument/2006/relationships" xmlns:p="http://schemas.openxmlformats.org/presentationml/2006/main">
-  <p:cSld>
-    <p:spTree>
-      <p:nvGrpSpPr>
-        <p:cNvPr id="1" name="Shape 77"/>
-        <p:cNvGrpSpPr/>
-        <p:nvPr/>
-      </p:nvGrpSpPr>
-      <p:grpSpPr>
-        <a:xfrm>
-          <a:off x="0" y="0"/>
-          <a:ext cx="0" cy="0"/>
-          <a:chOff x="0" y="0"/>
-          <a:chExt cx="0" cy="0"/>
-        </a:xfrm>
-      </p:grpSpPr>
-      <p:sp>
-        <p:nvSpPr>
-          <p:cNvPr id="78" name="Google Shape;78;p17"/>
-          <p:cNvSpPr txBox="1">
-            <a:spLocks noGrp="1"/>
-          </p:cNvSpPr>
-          <p:nvPr>
-            <p:ph type="title"/>
-          </p:nvPr>
-        </p:nvSpPr>
-        <p:spPr>
-          <a:xfrm>
-            <a:off x="311700" y="445025"/>
-            <a:ext cx="8520600" cy="572700"/>
-          </a:xfrm>
-          <a:prstGeom prst="rect">
-            <a:avLst/>
-          </a:prstGeom>
-        </p:spPr>
-        <p:txBody>
-          <a:bodyPr spcFirstLastPara="1" wrap="square" lIns="91425" tIns="91425" rIns="91425" bIns="91425" anchor="t" anchorCtr="0">
-            <a:noAutofit/>
-          </a:bodyPr>
-          <a:lstStyle/>
-          <a:p>
-            <a:pPr marL="0" lvl="0" indent="0" algn="l" rtl="0">
-              <a:spcBef>
-                <a:spcPts val="0"/>
-              </a:spcBef>
-              <a:spcAft>
-                <a:spcPts val="0"/>
-              </a:spcAft>
-              <a:buNone/>
-            </a:pPr>
-            <a:r>
-              <a:rPr lang="en" dirty="0"/>
-              <a:t>Component 2 Version 2 - Test Plan (and screenshot)</a:t>
-            </a:r>
-            <a:endParaRPr dirty="0"/>
-          </a:p>
-        </p:txBody>
-      </p:sp>
-      <p:graphicFrame>
-        <p:nvGraphicFramePr>
-          <p:cNvPr id="79" name="Google Shape;79;p17"/>
-          <p:cNvGraphicFramePr/>
-          <p:nvPr>
-            <p:extLst>
-              <p:ext uri="{D42A27DB-BD31-4B8C-83A1-F6EECF244321}">
-                <p14:modId xmlns:p14="http://schemas.microsoft.com/office/powerpoint/2010/main" val="958145362"/>
-              </p:ext>
-            </p:extLst>
-          </p:nvPr>
-        </p:nvGraphicFramePr>
-        <p:xfrm>
-          <a:off x="240925" y="3201456"/>
-          <a:ext cx="8520600" cy="1728117"/>
-        </p:xfrm>
-        <a:graphic>
-          <a:graphicData uri="http://schemas.openxmlformats.org/drawingml/2006/table">
-            <a:tbl>
-              <a:tblPr>
-                <a:noFill/>
-                <a:tableStyleId>{E1099E06-0E6B-448D-9D27-60429F06E6F4}</a:tableStyleId>
-              </a:tblPr>
-              <a:tblGrid>
-                <a:gridCol w="4260300">
-                  <a:extLst>
-                    <a:ext uri="{9D8B030D-6E8A-4147-A177-3AD203B41FA5}">
-                      <a16:colId xmlns:a16="http://schemas.microsoft.com/office/drawing/2014/main" val="20000"/>
-                    </a:ext>
-                  </a:extLst>
-                </a:gridCol>
-                <a:gridCol w="4260300">
-                  <a:extLst>
-                    <a:ext uri="{9D8B030D-6E8A-4147-A177-3AD203B41FA5}">
-                      <a16:colId xmlns:a16="http://schemas.microsoft.com/office/drawing/2014/main" val="20001"/>
-                    </a:ext>
-                  </a:extLst>
-                </a:gridCol>
-              </a:tblGrid>
-              <a:tr h="301964">
-                <a:tc>
-                  <a:txBody>
-                    <a:bodyPr/>
-                    <a:lstStyle/>
-                    <a:p>
-                      <a:pPr marL="0" lvl="0" indent="0" algn="l" rtl="0">
-                        <a:spcBef>
-                          <a:spcPts val="0"/>
-                        </a:spcBef>
-                        <a:spcAft>
-                          <a:spcPts val="0"/>
-                        </a:spcAft>
-                        <a:buNone/>
-                      </a:pPr>
-                      <a:r>
-                        <a:rPr lang="en" sz="1800" b="1" dirty="0"/>
-                        <a:t>Test Case</a:t>
-                      </a:r>
-                      <a:endParaRPr sz="1800" b="1" dirty="0"/>
-                    </a:p>
-                  </a:txBody>
-                  <a:tcPr marL="91425" marR="91425" marT="91425" marB="91425">
-                    <a:solidFill>
-                      <a:srgbClr val="CCCCCC"/>
-                    </a:solidFill>
-                  </a:tcPr>
-                </a:tc>
-                <a:tc>
-                  <a:txBody>
-                    <a:bodyPr/>
-                    <a:lstStyle/>
-                    <a:p>
-                      <a:pPr marL="0" lvl="0" indent="0" algn="l" rtl="0">
-                        <a:spcBef>
-                          <a:spcPts val="0"/>
-                        </a:spcBef>
-                        <a:spcAft>
-                          <a:spcPts val="0"/>
-                        </a:spcAft>
-                        <a:buNone/>
-                      </a:pPr>
-                      <a:r>
-                        <a:rPr lang="en" sz="1800" b="1" dirty="0"/>
-                        <a:t>Expected Values</a:t>
-                      </a:r>
-                      <a:endParaRPr sz="1800" b="1" dirty="0"/>
-                    </a:p>
-                  </a:txBody>
-                  <a:tcPr marL="91425" marR="91425" marT="91425" marB="91425">
-                    <a:solidFill>
-                      <a:srgbClr val="CCCCCC"/>
-                    </a:solidFill>
-                  </a:tcPr>
-                </a:tc>
-                <a:extLst>
-                  <a:ext uri="{0D108BD9-81ED-4DB2-BD59-A6C34878D82A}">
-                    <a16:rowId xmlns:a16="http://schemas.microsoft.com/office/drawing/2014/main" val="10000"/>
-                  </a:ext>
-                </a:extLst>
-              </a:tr>
-              <a:tr h="1270947">
-                <a:tc>
-                  <a:txBody>
-                    <a:bodyPr/>
-                    <a:lstStyle/>
-                    <a:p>
-                      <a:pPr marL="0" lvl="0" indent="0" algn="l" rtl="0">
-                        <a:spcBef>
-                          <a:spcPts val="0"/>
-                        </a:spcBef>
-                        <a:spcAft>
-                          <a:spcPts val="0"/>
-                        </a:spcAft>
-                        <a:buNone/>
-                      </a:pPr>
-                      <a:r>
-                        <a:rPr lang="en-NZ" sz="1800" dirty="0"/>
-                        <a:t>Run Program</a:t>
-                      </a:r>
-                      <a:endParaRPr sz="1800" dirty="0"/>
-                    </a:p>
-                  </a:txBody>
-                  <a:tcPr marL="91425" marR="91425" marT="91425" marB="91425"/>
-                </a:tc>
-                <a:tc>
-                  <a:txBody>
-                    <a:bodyPr/>
-                    <a:lstStyle/>
-                    <a:p>
-                      <a:pPr marL="0" lvl="0" indent="0" algn="l" rtl="0">
-                        <a:spcBef>
-                          <a:spcPts val="0"/>
-                        </a:spcBef>
-                        <a:spcAft>
-                          <a:spcPts val="0"/>
-                        </a:spcAft>
-                        <a:buNone/>
-                      </a:pPr>
-                      <a:r>
-                        <a:rPr lang="en-NZ" sz="1800" dirty="0"/>
-                        <a:t>Enter p: Program prints pickup</a:t>
-                      </a:r>
-                    </a:p>
-                    <a:p>
-                      <a:pPr marL="0" lvl="0" indent="0" algn="l" rtl="0">
-                        <a:spcBef>
-                          <a:spcPts val="0"/>
-                        </a:spcBef>
-                        <a:spcAft>
-                          <a:spcPts val="0"/>
-                        </a:spcAft>
-                        <a:buNone/>
-                      </a:pPr>
-                      <a:r>
-                        <a:rPr lang="en-NZ" sz="1800" dirty="0"/>
-                        <a:t>Enter d: Program prints delivery</a:t>
-                      </a:r>
-                    </a:p>
-                    <a:p>
-                      <a:pPr marL="0" lvl="0" indent="0" algn="l" rtl="0">
-                        <a:spcBef>
-                          <a:spcPts val="0"/>
-                        </a:spcBef>
-                        <a:spcAft>
-                          <a:spcPts val="0"/>
-                        </a:spcAft>
-                        <a:buNone/>
-                      </a:pPr>
-                      <a:r>
-                        <a:rPr lang="en-NZ" sz="1800" dirty="0"/>
-                        <a:t>Enter invalid: Prints error message</a:t>
-                      </a:r>
-                    </a:p>
-                  </a:txBody>
-                  <a:tcPr marL="91425" marR="91425" marT="91425" marB="91425"/>
-                </a:tc>
-                <a:extLst>
-                  <a:ext uri="{0D108BD9-81ED-4DB2-BD59-A6C34878D82A}">
-                    <a16:rowId xmlns:a16="http://schemas.microsoft.com/office/drawing/2014/main" val="10001"/>
-                  </a:ext>
-                </a:extLst>
-              </a:tr>
-            </a:tbl>
-          </a:graphicData>
-        </a:graphic>
-      </p:graphicFrame>
-      <p:pic>
-        <p:nvPicPr>
-          <p:cNvPr id="3" name="Picture 2">
-            <a:extLst>
-              <a:ext uri="{FF2B5EF4-FFF2-40B4-BE49-F238E27FC236}">
-                <a16:creationId xmlns:a16="http://schemas.microsoft.com/office/drawing/2014/main" id="{78F91F5B-02F7-41BE-BA58-768BC3408E30}"/>
-              </a:ext>
-            </a:extLst>
-          </p:cNvPr>
-          <p:cNvPicPr>
-            <a:picLocks noChangeAspect="1"/>
-          </p:cNvPicPr>
-          <p:nvPr/>
-        </p:nvPicPr>
-        <p:blipFill>
-          <a:blip r:embed="rId3"/>
-          <a:stretch>
-            <a:fillRect/>
-          </a:stretch>
-        </p:blipFill>
-        <p:spPr>
-          <a:xfrm>
-            <a:off x="97436" y="1017725"/>
-            <a:ext cx="4257207" cy="2146167"/>
-          </a:xfrm>
-          <a:prstGeom prst="rect">
-            <a:avLst/>
-          </a:prstGeom>
-        </p:spPr>
-      </p:pic>
-      <p:pic>
-        <p:nvPicPr>
-          <p:cNvPr id="5" name="Picture 4">
-            <a:extLst>
-              <a:ext uri="{FF2B5EF4-FFF2-40B4-BE49-F238E27FC236}">
-                <a16:creationId xmlns:a16="http://schemas.microsoft.com/office/drawing/2014/main" id="{A2F3401E-156F-49E7-95B5-4587619AA5EA}"/>
-              </a:ext>
-            </a:extLst>
-          </p:cNvPr>
-          <p:cNvPicPr>
-            <a:picLocks noChangeAspect="1"/>
-          </p:cNvPicPr>
-          <p:nvPr/>
-        </p:nvPicPr>
-        <p:blipFill>
-          <a:blip r:embed="rId4"/>
-          <a:stretch>
-            <a:fillRect/>
-          </a:stretch>
-        </p:blipFill>
-        <p:spPr>
-          <a:xfrm>
-            <a:off x="4030314" y="1130878"/>
-            <a:ext cx="4918814" cy="2033014"/>
-          </a:xfrm>
-          <a:prstGeom prst="rect">
-            <a:avLst/>
-          </a:prstGeom>
-        </p:spPr>
-      </p:pic>
-    </p:spTree>
-    <p:extLst>
-      <p:ext uri="{BB962C8B-B14F-4D97-AF65-F5344CB8AC3E}">
-        <p14:creationId xmlns:p14="http://schemas.microsoft.com/office/powerpoint/2010/main" val="2058140406"/>
       </p:ext>
     </p:extLst>
   </p:cSld>
